--- a/SpringCloud笔记/课程截图.pptx
+++ b/SpringCloud笔记/课程截图.pptx
@@ -6,6 +6,7 @@
   </p:sldMasterIdLst>
   <p:sldIdLst>
     <p:sldId id="256" r:id="rId2"/>
+    <p:sldId id="257" r:id="rId3"/>
   </p:sldIdLst>
   <p:sldSz cx="9144000" cy="6858000" type="screen4x3"/>
   <p:notesSz cx="6858000" cy="9144000"/>
@@ -288,7 +289,7 @@
           <a:p>
             <a:fld id="{530820CF-B880-4189-942D-D702A7CBA730}" type="datetimeFigureOut">
               <a:rPr lang="zh-CN" altLang="en-US" smtClean="0"/>
-              <a:t>2022/7/18</a:t>
+              <a:t>2022/7/19</a:t>
             </a:fld>
             <a:endParaRPr lang="zh-CN" altLang="en-US"/>
           </a:p>
@@ -453,7 +454,7 @@
           <a:p>
             <a:fld id="{530820CF-B880-4189-942D-D702A7CBA730}" type="datetimeFigureOut">
               <a:rPr lang="zh-CN" altLang="en-US" smtClean="0"/>
-              <a:t>2022/7/18</a:t>
+              <a:t>2022/7/19</a:t>
             </a:fld>
             <a:endParaRPr lang="zh-CN" altLang="en-US"/>
           </a:p>
@@ -628,7 +629,7 @@
           <a:p>
             <a:fld id="{530820CF-B880-4189-942D-D702A7CBA730}" type="datetimeFigureOut">
               <a:rPr lang="zh-CN" altLang="en-US" smtClean="0"/>
-              <a:t>2022/7/18</a:t>
+              <a:t>2022/7/19</a:t>
             </a:fld>
             <a:endParaRPr lang="zh-CN" altLang="en-US"/>
           </a:p>
@@ -793,7 +794,7 @@
           <a:p>
             <a:fld id="{530820CF-B880-4189-942D-D702A7CBA730}" type="datetimeFigureOut">
               <a:rPr lang="zh-CN" altLang="en-US" smtClean="0"/>
-              <a:t>2022/7/18</a:t>
+              <a:t>2022/7/19</a:t>
             </a:fld>
             <a:endParaRPr lang="zh-CN" altLang="en-US"/>
           </a:p>
@@ -1034,7 +1035,7 @@
           <a:p>
             <a:fld id="{530820CF-B880-4189-942D-D702A7CBA730}" type="datetimeFigureOut">
               <a:rPr lang="zh-CN" altLang="en-US" smtClean="0"/>
-              <a:t>2022/7/18</a:t>
+              <a:t>2022/7/19</a:t>
             </a:fld>
             <a:endParaRPr lang="zh-CN" altLang="en-US"/>
           </a:p>
@@ -1317,7 +1318,7 @@
           <a:p>
             <a:fld id="{530820CF-B880-4189-942D-D702A7CBA730}" type="datetimeFigureOut">
               <a:rPr lang="zh-CN" altLang="en-US" smtClean="0"/>
-              <a:t>2022/7/18</a:t>
+              <a:t>2022/7/19</a:t>
             </a:fld>
             <a:endParaRPr lang="zh-CN" altLang="en-US"/>
           </a:p>
@@ -1734,7 +1735,7 @@
           <a:p>
             <a:fld id="{530820CF-B880-4189-942D-D702A7CBA730}" type="datetimeFigureOut">
               <a:rPr lang="zh-CN" altLang="en-US" smtClean="0"/>
-              <a:t>2022/7/18</a:t>
+              <a:t>2022/7/19</a:t>
             </a:fld>
             <a:endParaRPr lang="zh-CN" altLang="en-US"/>
           </a:p>
@@ -1847,7 +1848,7 @@
           <a:p>
             <a:fld id="{530820CF-B880-4189-942D-D702A7CBA730}" type="datetimeFigureOut">
               <a:rPr lang="zh-CN" altLang="en-US" smtClean="0"/>
-              <a:t>2022/7/18</a:t>
+              <a:t>2022/7/19</a:t>
             </a:fld>
             <a:endParaRPr lang="zh-CN" altLang="en-US"/>
           </a:p>
@@ -1937,7 +1938,7 @@
           <a:p>
             <a:fld id="{530820CF-B880-4189-942D-D702A7CBA730}" type="datetimeFigureOut">
               <a:rPr lang="zh-CN" altLang="en-US" smtClean="0"/>
-              <a:t>2022/7/18</a:t>
+              <a:t>2022/7/19</a:t>
             </a:fld>
             <a:endParaRPr lang="zh-CN" altLang="en-US"/>
           </a:p>
@@ -2209,7 +2210,7 @@
           <a:p>
             <a:fld id="{530820CF-B880-4189-942D-D702A7CBA730}" type="datetimeFigureOut">
               <a:rPr lang="zh-CN" altLang="en-US" smtClean="0"/>
-              <a:t>2022/7/18</a:t>
+              <a:t>2022/7/19</a:t>
             </a:fld>
             <a:endParaRPr lang="zh-CN" altLang="en-US"/>
           </a:p>
@@ -2457,7 +2458,7 @@
           <a:p>
             <a:fld id="{530820CF-B880-4189-942D-D702A7CBA730}" type="datetimeFigureOut">
               <a:rPr lang="zh-CN" altLang="en-US" smtClean="0"/>
-              <a:t>2022/7/18</a:t>
+              <a:t>2022/7/19</a:t>
             </a:fld>
             <a:endParaRPr lang="zh-CN" altLang="en-US"/>
           </a:p>
@@ -2665,7 +2666,7 @@
           <a:p>
             <a:fld id="{530820CF-B880-4189-942D-D702A7CBA730}" type="datetimeFigureOut">
               <a:rPr lang="zh-CN" altLang="en-US" smtClean="0"/>
-              <a:t>2022/7/18</a:t>
+              <a:t>2022/7/19</a:t>
             </a:fld>
             <a:endParaRPr lang="zh-CN" altLang="en-US"/>
           </a:p>
@@ -3214,6 +3215,100 @@
 </p:sld>
 </file>
 
+<file path=ppt/slides/slide2.xml><?xml version="1.0" encoding="utf-8"?>
+<p:sld xmlns:a="http://schemas.openxmlformats.org/drawingml/2006/main" xmlns:r="http://schemas.openxmlformats.org/officeDocument/2006/relationships" xmlns:p="http://schemas.openxmlformats.org/presentationml/2006/main">
+  <p:cSld>
+    <p:spTree>
+      <p:nvGrpSpPr>
+        <p:cNvPr id="1" name=""/>
+        <p:cNvGrpSpPr/>
+        <p:nvPr/>
+      </p:nvGrpSpPr>
+      <p:grpSpPr>
+        <a:xfrm>
+          <a:off x="0" y="0"/>
+          <a:ext cx="0" cy="0"/>
+          <a:chOff x="0" y="0"/>
+          <a:chExt cx="0" cy="0"/>
+        </a:xfrm>
+      </p:grpSpPr>
+      <p:pic>
+        <p:nvPicPr>
+          <p:cNvPr id="1026" name="Picture 2"/>
+          <p:cNvPicPr>
+            <a:picLocks noChangeAspect="1" noChangeArrowheads="1"/>
+          </p:cNvPicPr>
+          <p:nvPr/>
+        </p:nvPicPr>
+        <p:blipFill>
+          <a:blip r:embed="rId2">
+            <a:extLst>
+              <a:ext uri="{28A0092B-C50C-407E-A947-70E740481C1C}">
+                <a14:useLocalDpi xmlns:a14="http://schemas.microsoft.com/office/drawing/2010/main" val="0"/>
+              </a:ext>
+            </a:extLst>
+          </a:blip>
+          <a:srcRect/>
+          <a:stretch>
+            <a:fillRect/>
+          </a:stretch>
+        </p:blipFill>
+        <p:spPr bwMode="auto">
+          <a:xfrm>
+            <a:off x="107504" y="188640"/>
+            <a:ext cx="7827963" cy="2667000"/>
+          </a:xfrm>
+          <a:prstGeom prst="rect">
+            <a:avLst/>
+          </a:prstGeom>
+          <a:noFill/>
+          <a:ln>
+            <a:noFill/>
+          </a:ln>
+          <a:effectLst/>
+          <a:extLst>
+            <a:ext uri="{909E8E84-426E-40DD-AFC4-6F175D3DCCD1}">
+              <a14:hiddenFill xmlns:a14="http://schemas.microsoft.com/office/drawing/2010/main">
+                <a:solidFill>
+                  <a:schemeClr val="accent1"/>
+                </a:solidFill>
+              </a14:hiddenFill>
+            </a:ext>
+            <a:ext uri="{91240B29-F687-4F45-9708-019B960494DF}">
+              <a14:hiddenLine xmlns:a14="http://schemas.microsoft.com/office/drawing/2010/main" w="9525">
+                <a:solidFill>
+                  <a:schemeClr val="tx1"/>
+                </a:solidFill>
+                <a:miter lim="800000"/>
+                <a:headEnd/>
+                <a:tailEnd/>
+              </a14:hiddenLine>
+            </a:ext>
+            <a:ext uri="{AF507438-7753-43E0-B8FC-AC1667EBCBE1}">
+              <a14:hiddenEffects xmlns:a14="http://schemas.microsoft.com/office/drawing/2010/main">
+                <a:effectLst>
+                  <a:outerShdw dist="35921" dir="2700000" algn="ctr" rotWithShape="0">
+                    <a:schemeClr val="bg2"/>
+                  </a:outerShdw>
+                </a:effectLst>
+              </a14:hiddenEffects>
+            </a:ext>
+          </a:extLst>
+        </p:spPr>
+      </p:pic>
+    </p:spTree>
+    <p:extLst>
+      <p:ext uri="{BB962C8B-B14F-4D97-AF65-F5344CB8AC3E}">
+        <p14:creationId xmlns:p14="http://schemas.microsoft.com/office/powerpoint/2010/main" val="495997420"/>
+      </p:ext>
+    </p:extLst>
+  </p:cSld>
+  <p:clrMapOvr>
+    <a:masterClrMapping/>
+  </p:clrMapOvr>
+</p:sld>
+</file>
+
 <file path=ppt/theme/theme1.xml><?xml version="1.0" encoding="utf-8"?>
 <a:theme xmlns:a="http://schemas.openxmlformats.org/drawingml/2006/main" name="Office 主题">
   <a:themeElements>

--- a/SpringCloud笔记/课程截图.pptx
+++ b/SpringCloud笔记/课程截图.pptx
@@ -7,6 +7,9 @@
   <p:sldIdLst>
     <p:sldId id="256" r:id="rId2"/>
     <p:sldId id="257" r:id="rId3"/>
+    <p:sldId id="258" r:id="rId4"/>
+    <p:sldId id="259" r:id="rId5"/>
+    <p:sldId id="260" r:id="rId6"/>
   </p:sldIdLst>
   <p:sldSz cx="9144000" cy="6858000" type="screen4x3"/>
   <p:notesSz cx="6858000" cy="9144000"/>
@@ -289,7 +292,7 @@
           <a:p>
             <a:fld id="{530820CF-B880-4189-942D-D702A7CBA730}" type="datetimeFigureOut">
               <a:rPr lang="zh-CN" altLang="en-US" smtClean="0"/>
-              <a:t>2022/7/19</a:t>
+              <a:t>2022/7/25</a:t>
             </a:fld>
             <a:endParaRPr lang="zh-CN" altLang="en-US"/>
           </a:p>
@@ -454,7 +457,7 @@
           <a:p>
             <a:fld id="{530820CF-B880-4189-942D-D702A7CBA730}" type="datetimeFigureOut">
               <a:rPr lang="zh-CN" altLang="en-US" smtClean="0"/>
-              <a:t>2022/7/19</a:t>
+              <a:t>2022/7/25</a:t>
             </a:fld>
             <a:endParaRPr lang="zh-CN" altLang="en-US"/>
           </a:p>
@@ -629,7 +632,7 @@
           <a:p>
             <a:fld id="{530820CF-B880-4189-942D-D702A7CBA730}" type="datetimeFigureOut">
               <a:rPr lang="zh-CN" altLang="en-US" smtClean="0"/>
-              <a:t>2022/7/19</a:t>
+              <a:t>2022/7/25</a:t>
             </a:fld>
             <a:endParaRPr lang="zh-CN" altLang="en-US"/>
           </a:p>
@@ -794,7 +797,7 @@
           <a:p>
             <a:fld id="{530820CF-B880-4189-942D-D702A7CBA730}" type="datetimeFigureOut">
               <a:rPr lang="zh-CN" altLang="en-US" smtClean="0"/>
-              <a:t>2022/7/19</a:t>
+              <a:t>2022/7/25</a:t>
             </a:fld>
             <a:endParaRPr lang="zh-CN" altLang="en-US"/>
           </a:p>
@@ -1035,7 +1038,7 @@
           <a:p>
             <a:fld id="{530820CF-B880-4189-942D-D702A7CBA730}" type="datetimeFigureOut">
               <a:rPr lang="zh-CN" altLang="en-US" smtClean="0"/>
-              <a:t>2022/7/19</a:t>
+              <a:t>2022/7/25</a:t>
             </a:fld>
             <a:endParaRPr lang="zh-CN" altLang="en-US"/>
           </a:p>
@@ -1318,7 +1321,7 @@
           <a:p>
             <a:fld id="{530820CF-B880-4189-942D-D702A7CBA730}" type="datetimeFigureOut">
               <a:rPr lang="zh-CN" altLang="en-US" smtClean="0"/>
-              <a:t>2022/7/19</a:t>
+              <a:t>2022/7/25</a:t>
             </a:fld>
             <a:endParaRPr lang="zh-CN" altLang="en-US"/>
           </a:p>
@@ -1735,7 +1738,7 @@
           <a:p>
             <a:fld id="{530820CF-B880-4189-942D-D702A7CBA730}" type="datetimeFigureOut">
               <a:rPr lang="zh-CN" altLang="en-US" smtClean="0"/>
-              <a:t>2022/7/19</a:t>
+              <a:t>2022/7/25</a:t>
             </a:fld>
             <a:endParaRPr lang="zh-CN" altLang="en-US"/>
           </a:p>
@@ -1848,7 +1851,7 @@
           <a:p>
             <a:fld id="{530820CF-B880-4189-942D-D702A7CBA730}" type="datetimeFigureOut">
               <a:rPr lang="zh-CN" altLang="en-US" smtClean="0"/>
-              <a:t>2022/7/19</a:t>
+              <a:t>2022/7/25</a:t>
             </a:fld>
             <a:endParaRPr lang="zh-CN" altLang="en-US"/>
           </a:p>
@@ -1938,7 +1941,7 @@
           <a:p>
             <a:fld id="{530820CF-B880-4189-942D-D702A7CBA730}" type="datetimeFigureOut">
               <a:rPr lang="zh-CN" altLang="en-US" smtClean="0"/>
-              <a:t>2022/7/19</a:t>
+              <a:t>2022/7/25</a:t>
             </a:fld>
             <a:endParaRPr lang="zh-CN" altLang="en-US"/>
           </a:p>
@@ -2210,7 +2213,7 @@
           <a:p>
             <a:fld id="{530820CF-B880-4189-942D-D702A7CBA730}" type="datetimeFigureOut">
               <a:rPr lang="zh-CN" altLang="en-US" smtClean="0"/>
-              <a:t>2022/7/19</a:t>
+              <a:t>2022/7/25</a:t>
             </a:fld>
             <a:endParaRPr lang="zh-CN" altLang="en-US"/>
           </a:p>
@@ -2458,7 +2461,7 @@
           <a:p>
             <a:fld id="{530820CF-B880-4189-942D-D702A7CBA730}" type="datetimeFigureOut">
               <a:rPr lang="zh-CN" altLang="en-US" smtClean="0"/>
-              <a:t>2022/7/19</a:t>
+              <a:t>2022/7/25</a:t>
             </a:fld>
             <a:endParaRPr lang="zh-CN" altLang="en-US"/>
           </a:p>
@@ -2666,7 +2669,7 @@
           <a:p>
             <a:fld id="{530820CF-B880-4189-942D-D702A7CBA730}" type="datetimeFigureOut">
               <a:rPr lang="zh-CN" altLang="en-US" smtClean="0"/>
-              <a:t>2022/7/19</a:t>
+              <a:t>2022/7/25</a:t>
             </a:fld>
             <a:endParaRPr lang="zh-CN" altLang="en-US"/>
           </a:p>
@@ -3309,6 +3312,666 @@
 </p:sld>
 </file>
 
+<file path=ppt/slides/slide3.xml><?xml version="1.0" encoding="utf-8"?>
+<p:sld xmlns:a="http://schemas.openxmlformats.org/drawingml/2006/main" xmlns:r="http://schemas.openxmlformats.org/officeDocument/2006/relationships" xmlns:p="http://schemas.openxmlformats.org/presentationml/2006/main">
+  <p:cSld>
+    <p:spTree>
+      <p:nvGrpSpPr>
+        <p:cNvPr id="1" name=""/>
+        <p:cNvGrpSpPr/>
+        <p:nvPr/>
+      </p:nvGrpSpPr>
+      <p:grpSpPr>
+        <a:xfrm>
+          <a:off x="0" y="0"/>
+          <a:ext cx="0" cy="0"/>
+          <a:chOff x="0" y="0"/>
+          <a:chExt cx="0" cy="0"/>
+        </a:xfrm>
+      </p:grpSpPr>
+      <p:pic>
+        <p:nvPicPr>
+          <p:cNvPr id="2050" name="Picture 2"/>
+          <p:cNvPicPr>
+            <a:picLocks noChangeAspect="1" noChangeArrowheads="1"/>
+          </p:cNvPicPr>
+          <p:nvPr/>
+        </p:nvPicPr>
+        <p:blipFill>
+          <a:blip r:embed="rId2">
+            <a:extLst>
+              <a:ext uri="{28A0092B-C50C-407E-A947-70E740481C1C}">
+                <a14:useLocalDpi xmlns:a14="http://schemas.microsoft.com/office/drawing/2010/main" val="0"/>
+              </a:ext>
+            </a:extLst>
+          </a:blip>
+          <a:srcRect/>
+          <a:stretch>
+            <a:fillRect/>
+          </a:stretch>
+        </p:blipFill>
+        <p:spPr bwMode="auto">
+          <a:xfrm>
+            <a:off x="107503" y="3789040"/>
+            <a:ext cx="7324565" cy="2880320"/>
+          </a:xfrm>
+          <a:prstGeom prst="rect">
+            <a:avLst/>
+          </a:prstGeom>
+          <a:noFill/>
+          <a:ln>
+            <a:noFill/>
+          </a:ln>
+          <a:effectLst/>
+          <a:extLst>
+            <a:ext uri="{909E8E84-426E-40DD-AFC4-6F175D3DCCD1}">
+              <a14:hiddenFill xmlns:a14="http://schemas.microsoft.com/office/drawing/2010/main">
+                <a:solidFill>
+                  <a:schemeClr val="accent1"/>
+                </a:solidFill>
+              </a14:hiddenFill>
+            </a:ext>
+            <a:ext uri="{91240B29-F687-4F45-9708-019B960494DF}">
+              <a14:hiddenLine xmlns:a14="http://schemas.microsoft.com/office/drawing/2010/main" w="9525">
+                <a:solidFill>
+                  <a:schemeClr val="tx1"/>
+                </a:solidFill>
+                <a:miter lim="800000"/>
+                <a:headEnd/>
+                <a:tailEnd/>
+              </a14:hiddenLine>
+            </a:ext>
+            <a:ext uri="{AF507438-7753-43E0-B8FC-AC1667EBCBE1}">
+              <a14:hiddenEffects xmlns:a14="http://schemas.microsoft.com/office/drawing/2010/main">
+                <a:effectLst>
+                  <a:outerShdw dist="35921" dir="2700000" algn="ctr" rotWithShape="0">
+                    <a:schemeClr val="bg2"/>
+                  </a:outerShdw>
+                </a:effectLst>
+              </a14:hiddenEffects>
+            </a:ext>
+          </a:extLst>
+        </p:spPr>
+      </p:pic>
+      <p:sp>
+        <p:nvSpPr>
+          <p:cNvPr id="5" name="TextBox 4"/>
+          <p:cNvSpPr txBox="1"/>
+          <p:nvPr/>
+        </p:nvSpPr>
+        <p:spPr>
+          <a:xfrm>
+            <a:off x="138136" y="132619"/>
+            <a:ext cx="1693284" cy="369332"/>
+          </a:xfrm>
+          <a:prstGeom prst="rect">
+            <a:avLst/>
+          </a:prstGeom>
+          <a:noFill/>
+        </p:spPr>
+        <p:txBody>
+          <a:bodyPr wrap="none" rtlCol="0">
+            <a:spAutoFit/>
+          </a:bodyPr>
+          <a:lstStyle/>
+          <a:p>
+            <a:r>
+              <a:rPr lang="en-US" altLang="zh-CN" dirty="0" smtClean="0"/>
+              <a:t>Gateway</a:t>
+            </a:r>
+            <a:r>
+              <a:rPr lang="zh-CN" altLang="en-US" dirty="0" smtClean="0"/>
+              <a:t>配置类</a:t>
+            </a:r>
+            <a:endParaRPr lang="zh-CN" altLang="en-US" dirty="0"/>
+          </a:p>
+        </p:txBody>
+      </p:sp>
+      <p:pic>
+        <p:nvPicPr>
+          <p:cNvPr id="6" name="Picture 2"/>
+          <p:cNvPicPr>
+            <a:picLocks noChangeAspect="1" noChangeArrowheads="1"/>
+          </p:cNvPicPr>
+          <p:nvPr/>
+        </p:nvPicPr>
+        <p:blipFill>
+          <a:blip r:embed="rId3">
+            <a:extLst>
+              <a:ext uri="{28A0092B-C50C-407E-A947-70E740481C1C}">
+                <a14:useLocalDpi xmlns:a14="http://schemas.microsoft.com/office/drawing/2010/main" val="0"/>
+              </a:ext>
+            </a:extLst>
+          </a:blip>
+          <a:srcRect/>
+          <a:stretch>
+            <a:fillRect/>
+          </a:stretch>
+        </p:blipFill>
+        <p:spPr bwMode="auto">
+          <a:xfrm>
+            <a:off x="107504" y="476672"/>
+            <a:ext cx="7220397" cy="3245445"/>
+          </a:xfrm>
+          <a:prstGeom prst="rect">
+            <a:avLst/>
+          </a:prstGeom>
+          <a:noFill/>
+          <a:ln>
+            <a:noFill/>
+          </a:ln>
+          <a:effectLst/>
+          <a:extLst>
+            <a:ext uri="{909E8E84-426E-40DD-AFC4-6F175D3DCCD1}">
+              <a14:hiddenFill xmlns:a14="http://schemas.microsoft.com/office/drawing/2010/main">
+                <a:solidFill>
+                  <a:schemeClr val="accent1"/>
+                </a:solidFill>
+              </a14:hiddenFill>
+            </a:ext>
+            <a:ext uri="{91240B29-F687-4F45-9708-019B960494DF}">
+              <a14:hiddenLine xmlns:a14="http://schemas.microsoft.com/office/drawing/2010/main" w="9525">
+                <a:solidFill>
+                  <a:schemeClr val="tx1"/>
+                </a:solidFill>
+                <a:miter lim="800000"/>
+                <a:headEnd/>
+                <a:tailEnd/>
+              </a14:hiddenLine>
+            </a:ext>
+            <a:ext uri="{AF507438-7753-43E0-B8FC-AC1667EBCBE1}">
+              <a14:hiddenEffects xmlns:a14="http://schemas.microsoft.com/office/drawing/2010/main">
+                <a:effectLst>
+                  <a:outerShdw dist="35921" dir="2700000" algn="ctr" rotWithShape="0">
+                    <a:schemeClr val="bg2"/>
+                  </a:outerShdw>
+                </a:effectLst>
+              </a14:hiddenEffects>
+            </a:ext>
+          </a:extLst>
+        </p:spPr>
+      </p:pic>
+    </p:spTree>
+    <p:extLst>
+      <p:ext uri="{BB962C8B-B14F-4D97-AF65-F5344CB8AC3E}">
+        <p14:creationId xmlns:p14="http://schemas.microsoft.com/office/powerpoint/2010/main" val="2123259086"/>
+      </p:ext>
+    </p:extLst>
+  </p:cSld>
+  <p:clrMapOvr>
+    <a:masterClrMapping/>
+  </p:clrMapOvr>
+</p:sld>
+</file>
+
+<file path=ppt/slides/slide4.xml><?xml version="1.0" encoding="utf-8"?>
+<p:sld xmlns:a="http://schemas.openxmlformats.org/drawingml/2006/main" xmlns:r="http://schemas.openxmlformats.org/officeDocument/2006/relationships" xmlns:p="http://schemas.openxmlformats.org/presentationml/2006/main">
+  <p:cSld>
+    <p:spTree>
+      <p:nvGrpSpPr>
+        <p:cNvPr id="1" name=""/>
+        <p:cNvGrpSpPr/>
+        <p:nvPr/>
+      </p:nvGrpSpPr>
+      <p:grpSpPr>
+        <a:xfrm>
+          <a:off x="0" y="0"/>
+          <a:ext cx="0" cy="0"/>
+          <a:chOff x="0" y="0"/>
+          <a:chExt cx="0" cy="0"/>
+        </a:xfrm>
+      </p:grpSpPr>
+      <p:pic>
+        <p:nvPicPr>
+          <p:cNvPr id="3074" name="Picture 2"/>
+          <p:cNvPicPr>
+            <a:picLocks noChangeAspect="1" noChangeArrowheads="1"/>
+          </p:cNvPicPr>
+          <p:nvPr/>
+        </p:nvPicPr>
+        <p:blipFill>
+          <a:blip r:embed="rId2">
+            <a:extLst>
+              <a:ext uri="{28A0092B-C50C-407E-A947-70E740481C1C}">
+                <a14:useLocalDpi xmlns:a14="http://schemas.microsoft.com/office/drawing/2010/main" val="0"/>
+              </a:ext>
+            </a:extLst>
+          </a:blip>
+          <a:srcRect/>
+          <a:stretch>
+            <a:fillRect/>
+          </a:stretch>
+        </p:blipFill>
+        <p:spPr bwMode="auto">
+          <a:xfrm>
+            <a:off x="25706" y="395372"/>
+            <a:ext cx="8542507" cy="5040560"/>
+          </a:xfrm>
+          <a:prstGeom prst="rect">
+            <a:avLst/>
+          </a:prstGeom>
+          <a:noFill/>
+          <a:ln>
+            <a:noFill/>
+          </a:ln>
+          <a:effectLst/>
+          <a:extLst>
+            <a:ext uri="{909E8E84-426E-40DD-AFC4-6F175D3DCCD1}">
+              <a14:hiddenFill xmlns:a14="http://schemas.microsoft.com/office/drawing/2010/main">
+                <a:solidFill>
+                  <a:schemeClr val="accent1"/>
+                </a:solidFill>
+              </a14:hiddenFill>
+            </a:ext>
+            <a:ext uri="{91240B29-F687-4F45-9708-019B960494DF}">
+              <a14:hiddenLine xmlns:a14="http://schemas.microsoft.com/office/drawing/2010/main" w="9525">
+                <a:solidFill>
+                  <a:schemeClr val="tx1"/>
+                </a:solidFill>
+                <a:miter lim="800000"/>
+                <a:headEnd/>
+                <a:tailEnd/>
+              </a14:hiddenLine>
+            </a:ext>
+            <a:ext uri="{AF507438-7753-43E0-B8FC-AC1667EBCBE1}">
+              <a14:hiddenEffects xmlns:a14="http://schemas.microsoft.com/office/drawing/2010/main">
+                <a:effectLst>
+                  <a:outerShdw dist="35921" dir="2700000" algn="ctr" rotWithShape="0">
+                    <a:schemeClr val="bg2"/>
+                  </a:outerShdw>
+                </a:effectLst>
+              </a14:hiddenEffects>
+            </a:ext>
+          </a:extLst>
+        </p:spPr>
+      </p:pic>
+      <p:sp>
+        <p:nvSpPr>
+          <p:cNvPr id="5" name="TextBox 4"/>
+          <p:cNvSpPr txBox="1"/>
+          <p:nvPr/>
+        </p:nvSpPr>
+        <p:spPr>
+          <a:xfrm>
+            <a:off x="179512" y="35332"/>
+            <a:ext cx="2448272" cy="369332"/>
+          </a:xfrm>
+          <a:prstGeom prst="rect">
+            <a:avLst/>
+          </a:prstGeom>
+          <a:noFill/>
+        </p:spPr>
+        <p:txBody>
+          <a:bodyPr wrap="square" rtlCol="0">
+            <a:spAutoFit/>
+          </a:bodyPr>
+          <a:lstStyle/>
+          <a:p>
+            <a:r>
+              <a:rPr lang="zh-CN" altLang="en-US" dirty="0" smtClean="0"/>
+              <a:t>动态路由配置</a:t>
+            </a:r>
+            <a:endParaRPr lang="zh-CN" altLang="en-US" dirty="0"/>
+          </a:p>
+        </p:txBody>
+      </p:sp>
+    </p:spTree>
+    <p:extLst>
+      <p:ext uri="{BB962C8B-B14F-4D97-AF65-F5344CB8AC3E}">
+        <p14:creationId xmlns:p14="http://schemas.microsoft.com/office/powerpoint/2010/main" val="1343462392"/>
+      </p:ext>
+    </p:extLst>
+  </p:cSld>
+  <p:clrMapOvr>
+    <a:masterClrMapping/>
+  </p:clrMapOvr>
+</p:sld>
+</file>
+
+<file path=ppt/slides/slide5.xml><?xml version="1.0" encoding="utf-8"?>
+<p:sld xmlns:a="http://schemas.openxmlformats.org/drawingml/2006/main" xmlns:r="http://schemas.openxmlformats.org/officeDocument/2006/relationships" xmlns:p="http://schemas.openxmlformats.org/presentationml/2006/main">
+  <p:cSld>
+    <p:spTree>
+      <p:nvGrpSpPr>
+        <p:cNvPr id="1" name=""/>
+        <p:cNvGrpSpPr/>
+        <p:nvPr/>
+      </p:nvGrpSpPr>
+      <p:grpSpPr>
+        <a:xfrm>
+          <a:off x="0" y="0"/>
+          <a:ext cx="0" cy="0"/>
+          <a:chOff x="0" y="0"/>
+          <a:chExt cx="0" cy="0"/>
+        </a:xfrm>
+      </p:grpSpPr>
+      <p:pic>
+        <p:nvPicPr>
+          <p:cNvPr id="4098" name="Picture 2"/>
+          <p:cNvPicPr>
+            <a:picLocks noChangeAspect="1" noChangeArrowheads="1"/>
+          </p:cNvPicPr>
+          <p:nvPr/>
+        </p:nvPicPr>
+        <p:blipFill>
+          <a:blip r:embed="rId2">
+            <a:extLst>
+              <a:ext uri="{28A0092B-C50C-407E-A947-70E740481C1C}">
+                <a14:useLocalDpi xmlns:a14="http://schemas.microsoft.com/office/drawing/2010/main" val="0"/>
+              </a:ext>
+            </a:extLst>
+          </a:blip>
+          <a:srcRect/>
+          <a:stretch>
+            <a:fillRect/>
+          </a:stretch>
+        </p:blipFill>
+        <p:spPr bwMode="auto">
+          <a:xfrm>
+            <a:off x="-19926" y="1844824"/>
+            <a:ext cx="8723313" cy="695325"/>
+          </a:xfrm>
+          <a:prstGeom prst="rect">
+            <a:avLst/>
+          </a:prstGeom>
+          <a:noFill/>
+          <a:ln>
+            <a:noFill/>
+          </a:ln>
+          <a:effectLst/>
+          <a:extLst>
+            <a:ext uri="{909E8E84-426E-40DD-AFC4-6F175D3DCCD1}">
+              <a14:hiddenFill xmlns:a14="http://schemas.microsoft.com/office/drawing/2010/main">
+                <a:solidFill>
+                  <a:schemeClr val="accent1"/>
+                </a:solidFill>
+              </a14:hiddenFill>
+            </a:ext>
+            <a:ext uri="{91240B29-F687-4F45-9708-019B960494DF}">
+              <a14:hiddenLine xmlns:a14="http://schemas.microsoft.com/office/drawing/2010/main" w="9525">
+                <a:solidFill>
+                  <a:schemeClr val="tx1"/>
+                </a:solidFill>
+                <a:miter lim="800000"/>
+                <a:headEnd/>
+                <a:tailEnd/>
+              </a14:hiddenLine>
+            </a:ext>
+            <a:ext uri="{AF507438-7753-43E0-B8FC-AC1667EBCBE1}">
+              <a14:hiddenEffects xmlns:a14="http://schemas.microsoft.com/office/drawing/2010/main">
+                <a:effectLst>
+                  <a:outerShdw dist="35921" dir="2700000" algn="ctr" rotWithShape="0">
+                    <a:schemeClr val="bg2"/>
+                  </a:outerShdw>
+                </a:effectLst>
+              </a14:hiddenEffects>
+            </a:ext>
+          </a:extLst>
+        </p:spPr>
+      </p:pic>
+      <p:pic>
+        <p:nvPicPr>
+          <p:cNvPr id="5" name="Picture 3"/>
+          <p:cNvPicPr>
+            <a:picLocks noChangeAspect="1" noChangeArrowheads="1"/>
+          </p:cNvPicPr>
+          <p:nvPr/>
+        </p:nvPicPr>
+        <p:blipFill>
+          <a:blip r:embed="rId3">
+            <a:extLst>
+              <a:ext uri="{28A0092B-C50C-407E-A947-70E740481C1C}">
+                <a14:useLocalDpi xmlns:a14="http://schemas.microsoft.com/office/drawing/2010/main" val="0"/>
+              </a:ext>
+            </a:extLst>
+          </a:blip>
+          <a:srcRect/>
+          <a:stretch>
+            <a:fillRect/>
+          </a:stretch>
+        </p:blipFill>
+        <p:spPr bwMode="auto">
+          <a:xfrm>
+            <a:off x="34716" y="620688"/>
+            <a:ext cx="9229726" cy="847725"/>
+          </a:xfrm>
+          <a:prstGeom prst="rect">
+            <a:avLst/>
+          </a:prstGeom>
+          <a:noFill/>
+          <a:ln>
+            <a:noFill/>
+          </a:ln>
+          <a:effectLst/>
+          <a:extLst>
+            <a:ext uri="{909E8E84-426E-40DD-AFC4-6F175D3DCCD1}">
+              <a14:hiddenFill xmlns:a14="http://schemas.microsoft.com/office/drawing/2010/main">
+                <a:solidFill>
+                  <a:schemeClr val="accent1"/>
+                </a:solidFill>
+              </a14:hiddenFill>
+            </a:ext>
+            <a:ext uri="{91240B29-F687-4F45-9708-019B960494DF}">
+              <a14:hiddenLine xmlns:a14="http://schemas.microsoft.com/office/drawing/2010/main" w="9525">
+                <a:solidFill>
+                  <a:schemeClr val="tx1"/>
+                </a:solidFill>
+                <a:miter lim="800000"/>
+                <a:headEnd/>
+                <a:tailEnd/>
+              </a14:hiddenLine>
+            </a:ext>
+            <a:ext uri="{AF507438-7753-43E0-B8FC-AC1667EBCBE1}">
+              <a14:hiddenEffects xmlns:a14="http://schemas.microsoft.com/office/drawing/2010/main">
+                <a:effectLst>
+                  <a:outerShdw dist="35921" dir="2700000" algn="ctr" rotWithShape="0">
+                    <a:schemeClr val="bg2"/>
+                  </a:outerShdw>
+                </a:effectLst>
+              </a14:hiddenEffects>
+            </a:ext>
+          </a:extLst>
+        </p:spPr>
+      </p:pic>
+      <p:sp>
+        <p:nvSpPr>
+          <p:cNvPr id="6" name="TextBox 5"/>
+          <p:cNvSpPr txBox="1"/>
+          <p:nvPr/>
+        </p:nvSpPr>
+        <p:spPr>
+          <a:xfrm>
+            <a:off x="179512" y="109588"/>
+            <a:ext cx="4680520" cy="369332"/>
+          </a:xfrm>
+          <a:prstGeom prst="rect">
+            <a:avLst/>
+          </a:prstGeom>
+          <a:noFill/>
+        </p:spPr>
+        <p:txBody>
+          <a:bodyPr wrap="square" rtlCol="0">
+            <a:spAutoFit/>
+          </a:bodyPr>
+          <a:lstStyle/>
+          <a:p>
+            <a:r>
+              <a:rPr lang="en-US" altLang="zh-CN" dirty="0" smtClean="0"/>
+              <a:t>Curl</a:t>
+            </a:r>
+            <a:r>
+              <a:rPr lang="zh-CN" altLang="en-US" dirty="0" smtClean="0"/>
+              <a:t>命令带</a:t>
+            </a:r>
+            <a:r>
+              <a:rPr lang="en-US" altLang="zh-CN" dirty="0" smtClean="0"/>
+              <a:t>cookie</a:t>
+            </a:r>
+            <a:r>
+              <a:rPr lang="zh-CN" altLang="en-US" dirty="0" smtClean="0"/>
+              <a:t>的键值对访问写法</a:t>
+            </a:r>
+            <a:endParaRPr lang="zh-CN" altLang="en-US" dirty="0"/>
+          </a:p>
+        </p:txBody>
+      </p:sp>
+      <p:sp>
+        <p:nvSpPr>
+          <p:cNvPr id="7" name="TextBox 6"/>
+          <p:cNvSpPr txBox="1"/>
+          <p:nvPr/>
+        </p:nvSpPr>
+        <p:spPr>
+          <a:xfrm>
+            <a:off x="34716" y="1468413"/>
+            <a:ext cx="4680520" cy="369332"/>
+          </a:xfrm>
+          <a:prstGeom prst="rect">
+            <a:avLst/>
+          </a:prstGeom>
+          <a:noFill/>
+        </p:spPr>
+        <p:txBody>
+          <a:bodyPr wrap="square" rtlCol="0">
+            <a:spAutoFit/>
+          </a:bodyPr>
+          <a:lstStyle/>
+          <a:p>
+            <a:r>
+              <a:rPr lang="zh-CN" altLang="en-US" dirty="0" smtClean="0"/>
+              <a:t>请求地址带</a:t>
+            </a:r>
+            <a:r>
+              <a:rPr lang="en-US" altLang="zh-CN" dirty="0" smtClean="0"/>
+              <a:t>Header</a:t>
+            </a:r>
+            <a:r>
+              <a:rPr lang="zh-CN" altLang="en-US" dirty="0" smtClean="0"/>
+              <a:t>的写法</a:t>
+            </a:r>
+            <a:endParaRPr lang="zh-CN" altLang="en-US" dirty="0"/>
+          </a:p>
+        </p:txBody>
+      </p:sp>
+      <p:pic>
+        <p:nvPicPr>
+          <p:cNvPr id="4099" name="Picture 3"/>
+          <p:cNvPicPr>
+            <a:picLocks noChangeAspect="1" noChangeArrowheads="1"/>
+          </p:cNvPicPr>
+          <p:nvPr/>
+        </p:nvPicPr>
+        <p:blipFill>
+          <a:blip r:embed="rId4">
+            <a:extLst>
+              <a:ext uri="{28A0092B-C50C-407E-A947-70E740481C1C}">
+                <a14:useLocalDpi xmlns:a14="http://schemas.microsoft.com/office/drawing/2010/main" val="0"/>
+              </a:ext>
+            </a:extLst>
+          </a:blip>
+          <a:srcRect/>
+          <a:stretch>
+            <a:fillRect/>
+          </a:stretch>
+        </p:blipFill>
+        <p:spPr bwMode="auto">
+          <a:xfrm>
+            <a:off x="14463" y="3118266"/>
+            <a:ext cx="9458325" cy="3067050"/>
+          </a:xfrm>
+          <a:prstGeom prst="rect">
+            <a:avLst/>
+          </a:prstGeom>
+          <a:noFill/>
+          <a:ln>
+            <a:noFill/>
+          </a:ln>
+          <a:effectLst/>
+          <a:extLst>
+            <a:ext uri="{909E8E84-426E-40DD-AFC4-6F175D3DCCD1}">
+              <a14:hiddenFill xmlns:a14="http://schemas.microsoft.com/office/drawing/2010/main">
+                <a:solidFill>
+                  <a:schemeClr val="accent1"/>
+                </a:solidFill>
+              </a14:hiddenFill>
+            </a:ext>
+            <a:ext uri="{91240B29-F687-4F45-9708-019B960494DF}">
+              <a14:hiddenLine xmlns:a14="http://schemas.microsoft.com/office/drawing/2010/main" w="9525">
+                <a:solidFill>
+                  <a:schemeClr val="tx1"/>
+                </a:solidFill>
+                <a:miter lim="800000"/>
+                <a:headEnd/>
+                <a:tailEnd/>
+              </a14:hiddenLine>
+            </a:ext>
+            <a:ext uri="{AF507438-7753-43E0-B8FC-AC1667EBCBE1}">
+              <a14:hiddenEffects xmlns:a14="http://schemas.microsoft.com/office/drawing/2010/main">
+                <a:effectLst>
+                  <a:outerShdw dist="35921" dir="2700000" algn="ctr" rotWithShape="0">
+                    <a:schemeClr val="bg2"/>
+                  </a:outerShdw>
+                </a:effectLst>
+              </a14:hiddenEffects>
+            </a:ext>
+          </a:extLst>
+        </p:spPr>
+      </p:pic>
+      <p:sp>
+        <p:nvSpPr>
+          <p:cNvPr id="9" name="TextBox 8"/>
+          <p:cNvSpPr txBox="1"/>
+          <p:nvPr/>
+        </p:nvSpPr>
+        <p:spPr>
+          <a:xfrm>
+            <a:off x="14463" y="2636912"/>
+            <a:ext cx="4680520" cy="369332"/>
+          </a:xfrm>
+          <a:prstGeom prst="rect">
+            <a:avLst/>
+          </a:prstGeom>
+          <a:noFill/>
+        </p:spPr>
+        <p:txBody>
+          <a:bodyPr wrap="square" rtlCol="0">
+            <a:spAutoFit/>
+          </a:bodyPr>
+          <a:lstStyle/>
+          <a:p>
+            <a:r>
+              <a:rPr lang="en-US" altLang="zh-CN" dirty="0" smtClean="0"/>
+              <a:t>Gateway</a:t>
+            </a:r>
+            <a:r>
+              <a:rPr lang="zh-CN" altLang="en-US" dirty="0" smtClean="0"/>
+              <a:t>的</a:t>
+            </a:r>
+            <a:r>
+              <a:rPr lang="en-US" altLang="zh-CN" dirty="0" smtClean="0"/>
+              <a:t>Filter</a:t>
+            </a:r>
+            <a:r>
+              <a:rPr lang="zh-CN" altLang="en-US" smtClean="0"/>
+              <a:t>的概念</a:t>
+            </a:r>
+            <a:endParaRPr lang="zh-CN" altLang="en-US" dirty="0"/>
+          </a:p>
+        </p:txBody>
+      </p:sp>
+    </p:spTree>
+    <p:extLst>
+      <p:ext uri="{BB962C8B-B14F-4D97-AF65-F5344CB8AC3E}">
+        <p14:creationId xmlns:p14="http://schemas.microsoft.com/office/powerpoint/2010/main" val="854028850"/>
+      </p:ext>
+    </p:extLst>
+  </p:cSld>
+  <p:clrMapOvr>
+    <a:masterClrMapping/>
+  </p:clrMapOvr>
+</p:sld>
+</file>
+
 <file path=ppt/theme/theme1.xml><?xml version="1.0" encoding="utf-8"?>
 <a:theme xmlns:a="http://schemas.openxmlformats.org/drawingml/2006/main" name="Office 主题">
   <a:themeElements>

--- a/SpringCloud笔记/课程截图.pptx
+++ b/SpringCloud笔记/课程截图.pptx
@@ -10,6 +10,8 @@
     <p:sldId id="258" r:id="rId4"/>
     <p:sldId id="259" r:id="rId5"/>
     <p:sldId id="260" r:id="rId6"/>
+    <p:sldId id="261" r:id="rId7"/>
+    <p:sldId id="262" r:id="rId8"/>
   </p:sldIdLst>
   <p:sldSz cx="9144000" cy="6858000" type="screen4x3"/>
   <p:notesSz cx="6858000" cy="9144000"/>
@@ -292,7 +294,7 @@
           <a:p>
             <a:fld id="{530820CF-B880-4189-942D-D702A7CBA730}" type="datetimeFigureOut">
               <a:rPr lang="zh-CN" altLang="en-US" smtClean="0"/>
-              <a:t>2022/7/25</a:t>
+              <a:t>2022/7/26</a:t>
             </a:fld>
             <a:endParaRPr lang="zh-CN" altLang="en-US"/>
           </a:p>
@@ -457,7 +459,7 @@
           <a:p>
             <a:fld id="{530820CF-B880-4189-942D-D702A7CBA730}" type="datetimeFigureOut">
               <a:rPr lang="zh-CN" altLang="en-US" smtClean="0"/>
-              <a:t>2022/7/25</a:t>
+              <a:t>2022/7/26</a:t>
             </a:fld>
             <a:endParaRPr lang="zh-CN" altLang="en-US"/>
           </a:p>
@@ -632,7 +634,7 @@
           <a:p>
             <a:fld id="{530820CF-B880-4189-942D-D702A7CBA730}" type="datetimeFigureOut">
               <a:rPr lang="zh-CN" altLang="en-US" smtClean="0"/>
-              <a:t>2022/7/25</a:t>
+              <a:t>2022/7/26</a:t>
             </a:fld>
             <a:endParaRPr lang="zh-CN" altLang="en-US"/>
           </a:p>
@@ -797,7 +799,7 @@
           <a:p>
             <a:fld id="{530820CF-B880-4189-942D-D702A7CBA730}" type="datetimeFigureOut">
               <a:rPr lang="zh-CN" altLang="en-US" smtClean="0"/>
-              <a:t>2022/7/25</a:t>
+              <a:t>2022/7/26</a:t>
             </a:fld>
             <a:endParaRPr lang="zh-CN" altLang="en-US"/>
           </a:p>
@@ -1038,7 +1040,7 @@
           <a:p>
             <a:fld id="{530820CF-B880-4189-942D-D702A7CBA730}" type="datetimeFigureOut">
               <a:rPr lang="zh-CN" altLang="en-US" smtClean="0"/>
-              <a:t>2022/7/25</a:t>
+              <a:t>2022/7/26</a:t>
             </a:fld>
             <a:endParaRPr lang="zh-CN" altLang="en-US"/>
           </a:p>
@@ -1321,7 +1323,7 @@
           <a:p>
             <a:fld id="{530820CF-B880-4189-942D-D702A7CBA730}" type="datetimeFigureOut">
               <a:rPr lang="zh-CN" altLang="en-US" smtClean="0"/>
-              <a:t>2022/7/25</a:t>
+              <a:t>2022/7/26</a:t>
             </a:fld>
             <a:endParaRPr lang="zh-CN" altLang="en-US"/>
           </a:p>
@@ -1738,7 +1740,7 @@
           <a:p>
             <a:fld id="{530820CF-B880-4189-942D-D702A7CBA730}" type="datetimeFigureOut">
               <a:rPr lang="zh-CN" altLang="en-US" smtClean="0"/>
-              <a:t>2022/7/25</a:t>
+              <a:t>2022/7/26</a:t>
             </a:fld>
             <a:endParaRPr lang="zh-CN" altLang="en-US"/>
           </a:p>
@@ -1851,7 +1853,7 @@
           <a:p>
             <a:fld id="{530820CF-B880-4189-942D-D702A7CBA730}" type="datetimeFigureOut">
               <a:rPr lang="zh-CN" altLang="en-US" smtClean="0"/>
-              <a:t>2022/7/25</a:t>
+              <a:t>2022/7/26</a:t>
             </a:fld>
             <a:endParaRPr lang="zh-CN" altLang="en-US"/>
           </a:p>
@@ -1941,7 +1943,7 @@
           <a:p>
             <a:fld id="{530820CF-B880-4189-942D-D702A7CBA730}" type="datetimeFigureOut">
               <a:rPr lang="zh-CN" altLang="en-US" smtClean="0"/>
-              <a:t>2022/7/25</a:t>
+              <a:t>2022/7/26</a:t>
             </a:fld>
             <a:endParaRPr lang="zh-CN" altLang="en-US"/>
           </a:p>
@@ -2213,7 +2215,7 @@
           <a:p>
             <a:fld id="{530820CF-B880-4189-942D-D702A7CBA730}" type="datetimeFigureOut">
               <a:rPr lang="zh-CN" altLang="en-US" smtClean="0"/>
-              <a:t>2022/7/25</a:t>
+              <a:t>2022/7/26</a:t>
             </a:fld>
             <a:endParaRPr lang="zh-CN" altLang="en-US"/>
           </a:p>
@@ -2461,7 +2463,7 @@
           <a:p>
             <a:fld id="{530820CF-B880-4189-942D-D702A7CBA730}" type="datetimeFigureOut">
               <a:rPr lang="zh-CN" altLang="en-US" smtClean="0"/>
-              <a:t>2022/7/25</a:t>
+              <a:t>2022/7/26</a:t>
             </a:fld>
             <a:endParaRPr lang="zh-CN" altLang="en-US"/>
           </a:p>
@@ -2669,7 +2671,7 @@
           <a:p>
             <a:fld id="{530820CF-B880-4189-942D-D702A7CBA730}" type="datetimeFigureOut">
               <a:rPr lang="zh-CN" altLang="en-US" smtClean="0"/>
-              <a:t>2022/7/25</a:t>
+              <a:t>2022/7/26</a:t>
             </a:fld>
             <a:endParaRPr lang="zh-CN" altLang="en-US"/>
           </a:p>
@@ -3972,6 +3974,539 @@
 </p:sld>
 </file>
 
+<file path=ppt/slides/slide6.xml><?xml version="1.0" encoding="utf-8"?>
+<p:sld xmlns:a="http://schemas.openxmlformats.org/drawingml/2006/main" xmlns:r="http://schemas.openxmlformats.org/officeDocument/2006/relationships" xmlns:p="http://schemas.openxmlformats.org/presentationml/2006/main">
+  <p:cSld>
+    <p:spTree>
+      <p:nvGrpSpPr>
+        <p:cNvPr id="1" name=""/>
+        <p:cNvGrpSpPr/>
+        <p:nvPr/>
+      </p:nvGrpSpPr>
+      <p:grpSpPr>
+        <a:xfrm>
+          <a:off x="0" y="0"/>
+          <a:ext cx="0" cy="0"/>
+          <a:chOff x="0" y="0"/>
+          <a:chExt cx="0" cy="0"/>
+        </a:xfrm>
+      </p:grpSpPr>
+      <p:pic>
+        <p:nvPicPr>
+          <p:cNvPr id="1026" name="Picture 2"/>
+          <p:cNvPicPr>
+            <a:picLocks noChangeAspect="1" noChangeArrowheads="1"/>
+          </p:cNvPicPr>
+          <p:nvPr/>
+        </p:nvPicPr>
+        <p:blipFill>
+          <a:blip r:embed="rId2">
+            <a:extLst>
+              <a:ext uri="{28A0092B-C50C-407E-A947-70E740481C1C}">
+                <a14:useLocalDpi xmlns:a14="http://schemas.microsoft.com/office/drawing/2010/main" val="0"/>
+              </a:ext>
+            </a:extLst>
+          </a:blip>
+          <a:srcRect/>
+          <a:stretch>
+            <a:fillRect/>
+          </a:stretch>
+        </p:blipFill>
+        <p:spPr bwMode="auto">
+          <a:xfrm>
+            <a:off x="1" y="548680"/>
+            <a:ext cx="8676456" cy="3080451"/>
+          </a:xfrm>
+          <a:prstGeom prst="rect">
+            <a:avLst/>
+          </a:prstGeom>
+          <a:noFill/>
+          <a:ln>
+            <a:noFill/>
+          </a:ln>
+          <a:effectLst/>
+          <a:extLst>
+            <a:ext uri="{909E8E84-426E-40DD-AFC4-6F175D3DCCD1}">
+              <a14:hiddenFill xmlns:a14="http://schemas.microsoft.com/office/drawing/2010/main">
+                <a:solidFill>
+                  <a:schemeClr val="accent1"/>
+                </a:solidFill>
+              </a14:hiddenFill>
+            </a:ext>
+            <a:ext uri="{91240B29-F687-4F45-9708-019B960494DF}">
+              <a14:hiddenLine xmlns:a14="http://schemas.microsoft.com/office/drawing/2010/main" w="9525">
+                <a:solidFill>
+                  <a:schemeClr val="tx1"/>
+                </a:solidFill>
+                <a:miter lim="800000"/>
+                <a:headEnd/>
+                <a:tailEnd/>
+              </a14:hiddenLine>
+            </a:ext>
+            <a:ext uri="{AF507438-7753-43E0-B8FC-AC1667EBCBE1}">
+              <a14:hiddenEffects xmlns:a14="http://schemas.microsoft.com/office/drawing/2010/main">
+                <a:effectLst>
+                  <a:outerShdw dist="35921" dir="2700000" algn="ctr" rotWithShape="0">
+                    <a:schemeClr val="bg2"/>
+                  </a:outerShdw>
+                </a:effectLst>
+              </a14:hiddenEffects>
+            </a:ext>
+          </a:extLst>
+        </p:spPr>
+      </p:pic>
+      <p:sp>
+        <p:nvSpPr>
+          <p:cNvPr id="4" name="TextBox 3"/>
+          <p:cNvSpPr txBox="1"/>
+          <p:nvPr/>
+        </p:nvSpPr>
+        <p:spPr>
+          <a:xfrm>
+            <a:off x="323528" y="44624"/>
+            <a:ext cx="3268139" cy="369332"/>
+          </a:xfrm>
+          <a:prstGeom prst="rect">
+            <a:avLst/>
+          </a:prstGeom>
+          <a:noFill/>
+        </p:spPr>
+        <p:txBody>
+          <a:bodyPr wrap="none" rtlCol="0">
+            <a:spAutoFit/>
+          </a:bodyPr>
+          <a:lstStyle/>
+          <a:p>
+            <a:r>
+              <a:rPr lang="en-US" altLang="zh-CN" dirty="0" err="1" smtClean="0"/>
+              <a:t>Config</a:t>
+            </a:r>
+            <a:r>
+              <a:rPr lang="zh-CN" altLang="en-US" dirty="0" smtClean="0"/>
+              <a:t>设置</a:t>
+            </a:r>
+            <a:r>
+              <a:rPr lang="en-US" altLang="zh-CN" dirty="0" smtClean="0"/>
+              <a:t>host</a:t>
+            </a:r>
+            <a:r>
+              <a:rPr lang="zh-CN" altLang="en-US" dirty="0" smtClean="0"/>
+              <a:t>映射，不配也可</a:t>
+            </a:r>
+            <a:endParaRPr lang="zh-CN" altLang="en-US" dirty="0"/>
+          </a:p>
+        </p:txBody>
+      </p:sp>
+      <p:pic>
+        <p:nvPicPr>
+          <p:cNvPr id="1027" name="Picture 3"/>
+          <p:cNvPicPr>
+            <a:picLocks noChangeAspect="1" noChangeArrowheads="1"/>
+          </p:cNvPicPr>
+          <p:nvPr/>
+        </p:nvPicPr>
+        <p:blipFill>
+          <a:blip r:embed="rId3">
+            <a:extLst>
+              <a:ext uri="{28A0092B-C50C-407E-A947-70E740481C1C}">
+                <a14:useLocalDpi xmlns:a14="http://schemas.microsoft.com/office/drawing/2010/main" val="0"/>
+              </a:ext>
+            </a:extLst>
+          </a:blip>
+          <a:srcRect/>
+          <a:stretch>
+            <a:fillRect/>
+          </a:stretch>
+        </p:blipFill>
+        <p:spPr bwMode="auto">
+          <a:xfrm>
+            <a:off x="0" y="4365104"/>
+            <a:ext cx="8066087" cy="4210050"/>
+          </a:xfrm>
+          <a:prstGeom prst="rect">
+            <a:avLst/>
+          </a:prstGeom>
+          <a:noFill/>
+          <a:ln>
+            <a:noFill/>
+          </a:ln>
+          <a:effectLst/>
+          <a:extLst>
+            <a:ext uri="{909E8E84-426E-40DD-AFC4-6F175D3DCCD1}">
+              <a14:hiddenFill xmlns:a14="http://schemas.microsoft.com/office/drawing/2010/main">
+                <a:solidFill>
+                  <a:schemeClr val="accent1"/>
+                </a:solidFill>
+              </a14:hiddenFill>
+            </a:ext>
+            <a:ext uri="{91240B29-F687-4F45-9708-019B960494DF}">
+              <a14:hiddenLine xmlns:a14="http://schemas.microsoft.com/office/drawing/2010/main" w="9525">
+                <a:solidFill>
+                  <a:schemeClr val="tx1"/>
+                </a:solidFill>
+                <a:miter lim="800000"/>
+                <a:headEnd/>
+                <a:tailEnd/>
+              </a14:hiddenLine>
+            </a:ext>
+            <a:ext uri="{AF507438-7753-43E0-B8FC-AC1667EBCBE1}">
+              <a14:hiddenEffects xmlns:a14="http://schemas.microsoft.com/office/drawing/2010/main">
+                <a:effectLst>
+                  <a:outerShdw dist="35921" dir="2700000" algn="ctr" rotWithShape="0">
+                    <a:schemeClr val="bg2"/>
+                  </a:outerShdw>
+                </a:effectLst>
+              </a14:hiddenEffects>
+            </a:ext>
+          </a:extLst>
+        </p:spPr>
+      </p:pic>
+      <p:sp>
+        <p:nvSpPr>
+          <p:cNvPr id="5" name="TextBox 4"/>
+          <p:cNvSpPr txBox="1"/>
+          <p:nvPr/>
+        </p:nvSpPr>
+        <p:spPr>
+          <a:xfrm>
+            <a:off x="179511" y="3722766"/>
+            <a:ext cx="3853531" cy="369332"/>
+          </a:xfrm>
+          <a:prstGeom prst="rect">
+            <a:avLst/>
+          </a:prstGeom>
+          <a:noFill/>
+        </p:spPr>
+        <p:txBody>
+          <a:bodyPr wrap="square" rtlCol="0">
+            <a:spAutoFit/>
+          </a:bodyPr>
+          <a:lstStyle/>
+          <a:p>
+            <a:r>
+              <a:rPr lang="en-US" altLang="zh-CN" dirty="0" err="1" smtClean="0"/>
+              <a:t>Configmokuai</a:t>
+            </a:r>
+            <a:r>
+              <a:rPr lang="en-US" altLang="zh-CN" dirty="0" smtClean="0"/>
+              <a:t> </a:t>
+            </a:r>
+            <a:r>
+              <a:rPr lang="zh-CN" altLang="en-US" dirty="0" smtClean="0"/>
+              <a:t>访问地址范例</a:t>
+            </a:r>
+            <a:endParaRPr lang="zh-CN" altLang="en-US" dirty="0"/>
+          </a:p>
+        </p:txBody>
+      </p:sp>
+    </p:spTree>
+    <p:extLst>
+      <p:ext uri="{BB962C8B-B14F-4D97-AF65-F5344CB8AC3E}">
+        <p14:creationId xmlns:p14="http://schemas.microsoft.com/office/powerpoint/2010/main" val="3331561792"/>
+      </p:ext>
+    </p:extLst>
+  </p:cSld>
+  <p:clrMapOvr>
+    <a:masterClrMapping/>
+  </p:clrMapOvr>
+</p:sld>
+</file>
+
+<file path=ppt/slides/slide7.xml><?xml version="1.0" encoding="utf-8"?>
+<p:sld xmlns:a="http://schemas.openxmlformats.org/drawingml/2006/main" xmlns:r="http://schemas.openxmlformats.org/officeDocument/2006/relationships" xmlns:p="http://schemas.openxmlformats.org/presentationml/2006/main">
+  <p:cSld>
+    <p:spTree>
+      <p:nvGrpSpPr>
+        <p:cNvPr id="1" name=""/>
+        <p:cNvGrpSpPr/>
+        <p:nvPr/>
+      </p:nvGrpSpPr>
+      <p:grpSpPr>
+        <a:xfrm>
+          <a:off x="0" y="0"/>
+          <a:ext cx="0" cy="0"/>
+          <a:chOff x="0" y="0"/>
+          <a:chExt cx="0" cy="0"/>
+        </a:xfrm>
+      </p:grpSpPr>
+      <p:pic>
+        <p:nvPicPr>
+          <p:cNvPr id="2050" name="Picture 2"/>
+          <p:cNvPicPr>
+            <a:picLocks noChangeAspect="1" noChangeArrowheads="1"/>
+          </p:cNvPicPr>
+          <p:nvPr/>
+        </p:nvPicPr>
+        <p:blipFill>
+          <a:blip r:embed="rId2">
+            <a:extLst>
+              <a:ext uri="{28A0092B-C50C-407E-A947-70E740481C1C}">
+                <a14:useLocalDpi xmlns:a14="http://schemas.microsoft.com/office/drawing/2010/main" val="0"/>
+              </a:ext>
+            </a:extLst>
+          </a:blip>
+          <a:srcRect/>
+          <a:stretch>
+            <a:fillRect/>
+          </a:stretch>
+        </p:blipFill>
+        <p:spPr bwMode="auto">
+          <a:xfrm>
+            <a:off x="107505" y="1268760"/>
+            <a:ext cx="5472608" cy="1273897"/>
+          </a:xfrm>
+          <a:prstGeom prst="rect">
+            <a:avLst/>
+          </a:prstGeom>
+          <a:noFill/>
+          <a:ln>
+            <a:noFill/>
+          </a:ln>
+          <a:effectLst/>
+          <a:extLst>
+            <a:ext uri="{909E8E84-426E-40DD-AFC4-6F175D3DCCD1}">
+              <a14:hiddenFill xmlns:a14="http://schemas.microsoft.com/office/drawing/2010/main">
+                <a:solidFill>
+                  <a:schemeClr val="accent1"/>
+                </a:solidFill>
+              </a14:hiddenFill>
+            </a:ext>
+            <a:ext uri="{91240B29-F687-4F45-9708-019B960494DF}">
+              <a14:hiddenLine xmlns:a14="http://schemas.microsoft.com/office/drawing/2010/main" w="9525">
+                <a:solidFill>
+                  <a:schemeClr val="tx1"/>
+                </a:solidFill>
+                <a:miter lim="800000"/>
+                <a:headEnd/>
+                <a:tailEnd/>
+              </a14:hiddenLine>
+            </a:ext>
+            <a:ext uri="{AF507438-7753-43E0-B8FC-AC1667EBCBE1}">
+              <a14:hiddenEffects xmlns:a14="http://schemas.microsoft.com/office/drawing/2010/main">
+                <a:effectLst>
+                  <a:outerShdw dist="35921" dir="2700000" algn="ctr" rotWithShape="0">
+                    <a:schemeClr val="bg2"/>
+                  </a:outerShdw>
+                </a:effectLst>
+              </a14:hiddenEffects>
+            </a:ext>
+          </a:extLst>
+        </p:spPr>
+      </p:pic>
+      <p:sp>
+        <p:nvSpPr>
+          <p:cNvPr id="4" name="TextBox 3"/>
+          <p:cNvSpPr txBox="1"/>
+          <p:nvPr/>
+        </p:nvSpPr>
+        <p:spPr>
+          <a:xfrm>
+            <a:off x="1334" y="476672"/>
+            <a:ext cx="8754448" cy="646331"/>
+          </a:xfrm>
+          <a:prstGeom prst="rect">
+            <a:avLst/>
+          </a:prstGeom>
+          <a:noFill/>
+        </p:spPr>
+        <p:txBody>
+          <a:bodyPr wrap="none" rtlCol="0">
+            <a:spAutoFit/>
+          </a:bodyPr>
+          <a:lstStyle/>
+          <a:p>
+            <a:r>
+              <a:rPr lang="zh-CN" altLang="en-US" dirty="0" smtClean="0"/>
+              <a:t>注意，</a:t>
+            </a:r>
+            <a:r>
+              <a:rPr lang="en-US" altLang="zh-CN" dirty="0" err="1" smtClean="0"/>
+              <a:t>Config</a:t>
+            </a:r>
+            <a:r>
+              <a:rPr lang="zh-CN" altLang="en-US" dirty="0" smtClean="0"/>
+              <a:t>的服务端的依赖有</a:t>
+            </a:r>
+            <a:r>
+              <a:rPr lang="en-US" altLang="zh-CN" dirty="0" smtClean="0"/>
+              <a:t>server</a:t>
+            </a:r>
+            <a:r>
+              <a:rPr lang="zh-CN" altLang="en-US" dirty="0" smtClean="0"/>
+              <a:t>，本模块统一配置，客户端模块要从本模块获取</a:t>
+            </a:r>
+            <a:endParaRPr lang="en-US" altLang="zh-CN" dirty="0" smtClean="0"/>
+          </a:p>
+          <a:p>
+            <a:r>
+              <a:rPr lang="zh-CN" altLang="en-US" dirty="0" smtClean="0"/>
+              <a:t>公用的配置参数</a:t>
+            </a:r>
+            <a:endParaRPr lang="zh-CN" altLang="en-US" dirty="0"/>
+          </a:p>
+        </p:txBody>
+      </p:sp>
+      <p:pic>
+        <p:nvPicPr>
+          <p:cNvPr id="2051" name="Picture 3"/>
+          <p:cNvPicPr>
+            <a:picLocks noChangeAspect="1" noChangeArrowheads="1"/>
+          </p:cNvPicPr>
+          <p:nvPr/>
+        </p:nvPicPr>
+        <p:blipFill>
+          <a:blip r:embed="rId3">
+            <a:extLst>
+              <a:ext uri="{28A0092B-C50C-407E-A947-70E740481C1C}">
+                <a14:useLocalDpi xmlns:a14="http://schemas.microsoft.com/office/drawing/2010/main" val="0"/>
+              </a:ext>
+            </a:extLst>
+          </a:blip>
+          <a:srcRect/>
+          <a:stretch>
+            <a:fillRect/>
+          </a:stretch>
+        </p:blipFill>
+        <p:spPr bwMode="auto">
+          <a:xfrm>
+            <a:off x="100491" y="3284984"/>
+            <a:ext cx="6396806" cy="1238850"/>
+          </a:xfrm>
+          <a:prstGeom prst="rect">
+            <a:avLst/>
+          </a:prstGeom>
+          <a:noFill/>
+          <a:ln>
+            <a:noFill/>
+          </a:ln>
+          <a:effectLst/>
+          <a:extLst>
+            <a:ext uri="{909E8E84-426E-40DD-AFC4-6F175D3DCCD1}">
+              <a14:hiddenFill xmlns:a14="http://schemas.microsoft.com/office/drawing/2010/main">
+                <a:solidFill>
+                  <a:schemeClr val="accent1"/>
+                </a:solidFill>
+              </a14:hiddenFill>
+            </a:ext>
+            <a:ext uri="{91240B29-F687-4F45-9708-019B960494DF}">
+              <a14:hiddenLine xmlns:a14="http://schemas.microsoft.com/office/drawing/2010/main" w="9525">
+                <a:solidFill>
+                  <a:schemeClr val="tx1"/>
+                </a:solidFill>
+                <a:miter lim="800000"/>
+                <a:headEnd/>
+                <a:tailEnd/>
+              </a14:hiddenLine>
+            </a:ext>
+            <a:ext uri="{AF507438-7753-43E0-B8FC-AC1667EBCBE1}">
+              <a14:hiddenEffects xmlns:a14="http://schemas.microsoft.com/office/drawing/2010/main">
+                <a:effectLst>
+                  <a:outerShdw dist="35921" dir="2700000" algn="ctr" rotWithShape="0">
+                    <a:schemeClr val="bg2"/>
+                  </a:outerShdw>
+                </a:effectLst>
+              </a14:hiddenEffects>
+            </a:ext>
+          </a:extLst>
+        </p:spPr>
+      </p:pic>
+      <p:sp>
+        <p:nvSpPr>
+          <p:cNvPr id="5" name="TextBox 4"/>
+          <p:cNvSpPr txBox="1"/>
+          <p:nvPr/>
+        </p:nvSpPr>
+        <p:spPr>
+          <a:xfrm>
+            <a:off x="107505" y="2780928"/>
+            <a:ext cx="3770456" cy="369332"/>
+          </a:xfrm>
+          <a:prstGeom prst="rect">
+            <a:avLst/>
+          </a:prstGeom>
+          <a:noFill/>
+        </p:spPr>
+        <p:txBody>
+          <a:bodyPr wrap="none" rtlCol="0">
+            <a:spAutoFit/>
+          </a:bodyPr>
+          <a:lstStyle/>
+          <a:p>
+            <a:r>
+              <a:rPr lang="zh-CN" altLang="en-US" dirty="0" smtClean="0"/>
+              <a:t>客户端依赖，没有</a:t>
+            </a:r>
+            <a:r>
+              <a:rPr lang="en-US" altLang="zh-CN" dirty="0" smtClean="0"/>
+              <a:t>server</a:t>
+            </a:r>
+            <a:r>
+              <a:rPr lang="zh-CN" altLang="en-US" dirty="0" smtClean="0"/>
+              <a:t>，注意区分</a:t>
+            </a:r>
+            <a:endParaRPr lang="zh-CN" altLang="en-US" dirty="0"/>
+          </a:p>
+        </p:txBody>
+      </p:sp>
+      <p:sp>
+        <p:nvSpPr>
+          <p:cNvPr id="6" name="TextBox 5"/>
+          <p:cNvSpPr txBox="1"/>
+          <p:nvPr/>
+        </p:nvSpPr>
+        <p:spPr>
+          <a:xfrm>
+            <a:off x="100491" y="75982"/>
+            <a:ext cx="2629502" cy="369332"/>
+          </a:xfrm>
+          <a:prstGeom prst="rect">
+            <a:avLst/>
+          </a:prstGeom>
+          <a:noFill/>
+        </p:spPr>
+        <p:txBody>
+          <a:bodyPr wrap="none" rtlCol="0">
+            <a:spAutoFit/>
+          </a:bodyPr>
+          <a:lstStyle/>
+          <a:p>
+            <a:r>
+              <a:rPr lang="en-US" altLang="zh-CN" b="1" dirty="0" err="1" smtClean="0">
+                <a:solidFill>
+                  <a:srgbClr val="FF0000"/>
+                </a:solidFill>
+              </a:rPr>
+              <a:t>Config</a:t>
+            </a:r>
+            <a:r>
+              <a:rPr lang="zh-CN" altLang="en-US" b="1" dirty="0" smtClean="0">
+                <a:solidFill>
+                  <a:srgbClr val="FF0000"/>
+                </a:solidFill>
+              </a:rPr>
+              <a:t>依赖配置注意事项</a:t>
+            </a:r>
+            <a:endParaRPr lang="zh-CN" altLang="en-US" b="1" dirty="0">
+              <a:solidFill>
+                <a:srgbClr val="FF0000"/>
+              </a:solidFill>
+            </a:endParaRPr>
+          </a:p>
+        </p:txBody>
+      </p:sp>
+    </p:spTree>
+    <p:extLst>
+      <p:ext uri="{BB962C8B-B14F-4D97-AF65-F5344CB8AC3E}">
+        <p14:creationId xmlns:p14="http://schemas.microsoft.com/office/powerpoint/2010/main" val="3806191438"/>
+      </p:ext>
+    </p:extLst>
+  </p:cSld>
+  <p:clrMapOvr>
+    <a:masterClrMapping/>
+  </p:clrMapOvr>
+</p:sld>
+</file>
+
 <file path=ppt/theme/theme1.xml><?xml version="1.0" encoding="utf-8"?>
 <a:theme xmlns:a="http://schemas.openxmlformats.org/drawingml/2006/main" name="Office 主题">
   <a:themeElements>

--- a/SpringCloud笔记/课程截图.pptx
+++ b/SpringCloud笔记/课程截图.pptx
@@ -12,6 +12,7 @@
     <p:sldId id="260" r:id="rId6"/>
     <p:sldId id="261" r:id="rId7"/>
     <p:sldId id="262" r:id="rId8"/>
+    <p:sldId id="263" r:id="rId9"/>
   </p:sldIdLst>
   <p:sldSz cx="9144000" cy="6858000" type="screen4x3"/>
   <p:notesSz cx="6858000" cy="9144000"/>
@@ -294,7 +295,7 @@
           <a:p>
             <a:fld id="{530820CF-B880-4189-942D-D702A7CBA730}" type="datetimeFigureOut">
               <a:rPr lang="zh-CN" altLang="en-US" smtClean="0"/>
-              <a:t>2022/7/26</a:t>
+              <a:t>2022/7/27</a:t>
             </a:fld>
             <a:endParaRPr lang="zh-CN" altLang="en-US"/>
           </a:p>
@@ -459,7 +460,7 @@
           <a:p>
             <a:fld id="{530820CF-B880-4189-942D-D702A7CBA730}" type="datetimeFigureOut">
               <a:rPr lang="zh-CN" altLang="en-US" smtClean="0"/>
-              <a:t>2022/7/26</a:t>
+              <a:t>2022/7/27</a:t>
             </a:fld>
             <a:endParaRPr lang="zh-CN" altLang="en-US"/>
           </a:p>
@@ -634,7 +635,7 @@
           <a:p>
             <a:fld id="{530820CF-B880-4189-942D-D702A7CBA730}" type="datetimeFigureOut">
               <a:rPr lang="zh-CN" altLang="en-US" smtClean="0"/>
-              <a:t>2022/7/26</a:t>
+              <a:t>2022/7/27</a:t>
             </a:fld>
             <a:endParaRPr lang="zh-CN" altLang="en-US"/>
           </a:p>
@@ -799,7 +800,7 @@
           <a:p>
             <a:fld id="{530820CF-B880-4189-942D-D702A7CBA730}" type="datetimeFigureOut">
               <a:rPr lang="zh-CN" altLang="en-US" smtClean="0"/>
-              <a:t>2022/7/26</a:t>
+              <a:t>2022/7/27</a:t>
             </a:fld>
             <a:endParaRPr lang="zh-CN" altLang="en-US"/>
           </a:p>
@@ -1040,7 +1041,7 @@
           <a:p>
             <a:fld id="{530820CF-B880-4189-942D-D702A7CBA730}" type="datetimeFigureOut">
               <a:rPr lang="zh-CN" altLang="en-US" smtClean="0"/>
-              <a:t>2022/7/26</a:t>
+              <a:t>2022/7/27</a:t>
             </a:fld>
             <a:endParaRPr lang="zh-CN" altLang="en-US"/>
           </a:p>
@@ -1323,7 +1324,7 @@
           <a:p>
             <a:fld id="{530820CF-B880-4189-942D-D702A7CBA730}" type="datetimeFigureOut">
               <a:rPr lang="zh-CN" altLang="en-US" smtClean="0"/>
-              <a:t>2022/7/26</a:t>
+              <a:t>2022/7/27</a:t>
             </a:fld>
             <a:endParaRPr lang="zh-CN" altLang="en-US"/>
           </a:p>
@@ -1740,7 +1741,7 @@
           <a:p>
             <a:fld id="{530820CF-B880-4189-942D-D702A7CBA730}" type="datetimeFigureOut">
               <a:rPr lang="zh-CN" altLang="en-US" smtClean="0"/>
-              <a:t>2022/7/26</a:t>
+              <a:t>2022/7/27</a:t>
             </a:fld>
             <a:endParaRPr lang="zh-CN" altLang="en-US"/>
           </a:p>
@@ -1853,7 +1854,7 @@
           <a:p>
             <a:fld id="{530820CF-B880-4189-942D-D702A7CBA730}" type="datetimeFigureOut">
               <a:rPr lang="zh-CN" altLang="en-US" smtClean="0"/>
-              <a:t>2022/7/26</a:t>
+              <a:t>2022/7/27</a:t>
             </a:fld>
             <a:endParaRPr lang="zh-CN" altLang="en-US"/>
           </a:p>
@@ -1943,7 +1944,7 @@
           <a:p>
             <a:fld id="{530820CF-B880-4189-942D-D702A7CBA730}" type="datetimeFigureOut">
               <a:rPr lang="zh-CN" altLang="en-US" smtClean="0"/>
-              <a:t>2022/7/26</a:t>
+              <a:t>2022/7/27</a:t>
             </a:fld>
             <a:endParaRPr lang="zh-CN" altLang="en-US"/>
           </a:p>
@@ -2215,7 +2216,7 @@
           <a:p>
             <a:fld id="{530820CF-B880-4189-942D-D702A7CBA730}" type="datetimeFigureOut">
               <a:rPr lang="zh-CN" altLang="en-US" smtClean="0"/>
-              <a:t>2022/7/26</a:t>
+              <a:t>2022/7/27</a:t>
             </a:fld>
             <a:endParaRPr lang="zh-CN" altLang="en-US"/>
           </a:p>
@@ -2463,7 +2464,7 @@
           <a:p>
             <a:fld id="{530820CF-B880-4189-942D-D702A7CBA730}" type="datetimeFigureOut">
               <a:rPr lang="zh-CN" altLang="en-US" smtClean="0"/>
-              <a:t>2022/7/26</a:t>
+              <a:t>2022/7/27</a:t>
             </a:fld>
             <a:endParaRPr lang="zh-CN" altLang="en-US"/>
           </a:p>
@@ -2671,7 +2672,7 @@
           <a:p>
             <a:fld id="{530820CF-B880-4189-942D-D702A7CBA730}" type="datetimeFigureOut">
               <a:rPr lang="zh-CN" altLang="en-US" smtClean="0"/>
-              <a:t>2022/7/26</a:t>
+              <a:t>2022/7/27</a:t>
             </a:fld>
             <a:endParaRPr lang="zh-CN" altLang="en-US"/>
           </a:p>
@@ -4494,10 +4495,214 @@
           </a:p>
         </p:txBody>
       </p:sp>
+      <p:pic>
+        <p:nvPicPr>
+          <p:cNvPr id="2052" name="Picture 4"/>
+          <p:cNvPicPr>
+            <a:picLocks noChangeAspect="1" noChangeArrowheads="1"/>
+          </p:cNvPicPr>
+          <p:nvPr/>
+        </p:nvPicPr>
+        <p:blipFill>
+          <a:blip r:embed="rId4">
+            <a:extLst>
+              <a:ext uri="{28A0092B-C50C-407E-A947-70E740481C1C}">
+                <a14:useLocalDpi xmlns:a14="http://schemas.microsoft.com/office/drawing/2010/main" val="0"/>
+              </a:ext>
+            </a:extLst>
+          </a:blip>
+          <a:srcRect/>
+          <a:stretch>
+            <a:fillRect/>
+          </a:stretch>
+        </p:blipFill>
+        <p:spPr bwMode="auto">
+          <a:xfrm>
+            <a:off x="-68824" y="4941168"/>
+            <a:ext cx="8894763" cy="2695575"/>
+          </a:xfrm>
+          <a:prstGeom prst="rect">
+            <a:avLst/>
+          </a:prstGeom>
+          <a:noFill/>
+          <a:ln>
+            <a:noFill/>
+          </a:ln>
+          <a:effectLst/>
+          <a:extLst>
+            <a:ext uri="{909E8E84-426E-40DD-AFC4-6F175D3DCCD1}">
+              <a14:hiddenFill xmlns:a14="http://schemas.microsoft.com/office/drawing/2010/main">
+                <a:solidFill>
+                  <a:schemeClr val="accent1"/>
+                </a:solidFill>
+              </a14:hiddenFill>
+            </a:ext>
+            <a:ext uri="{91240B29-F687-4F45-9708-019B960494DF}">
+              <a14:hiddenLine xmlns:a14="http://schemas.microsoft.com/office/drawing/2010/main" w="9525">
+                <a:solidFill>
+                  <a:schemeClr val="tx1"/>
+                </a:solidFill>
+                <a:miter lim="800000"/>
+                <a:headEnd/>
+                <a:tailEnd/>
+              </a14:hiddenLine>
+            </a:ext>
+            <a:ext uri="{AF507438-7753-43E0-B8FC-AC1667EBCBE1}">
+              <a14:hiddenEffects xmlns:a14="http://schemas.microsoft.com/office/drawing/2010/main">
+                <a:effectLst>
+                  <a:outerShdw dist="35921" dir="2700000" algn="ctr" rotWithShape="0">
+                    <a:schemeClr val="bg2"/>
+                  </a:outerShdw>
+                </a:effectLst>
+              </a14:hiddenEffects>
+            </a:ext>
+          </a:extLst>
+        </p:spPr>
+      </p:pic>
     </p:spTree>
     <p:extLst>
       <p:ext uri="{BB962C8B-B14F-4D97-AF65-F5344CB8AC3E}">
         <p14:creationId xmlns:p14="http://schemas.microsoft.com/office/powerpoint/2010/main" val="3806191438"/>
+      </p:ext>
+    </p:extLst>
+  </p:cSld>
+  <p:clrMapOvr>
+    <a:masterClrMapping/>
+  </p:clrMapOvr>
+</p:sld>
+</file>
+
+<file path=ppt/slides/slide8.xml><?xml version="1.0" encoding="utf-8"?>
+<p:sld xmlns:a="http://schemas.openxmlformats.org/drawingml/2006/main" xmlns:r="http://schemas.openxmlformats.org/officeDocument/2006/relationships" xmlns:p="http://schemas.openxmlformats.org/presentationml/2006/main">
+  <p:cSld>
+    <p:spTree>
+      <p:nvGrpSpPr>
+        <p:cNvPr id="1" name=""/>
+        <p:cNvGrpSpPr/>
+        <p:nvPr/>
+      </p:nvGrpSpPr>
+      <p:grpSpPr>
+        <a:xfrm>
+          <a:off x="0" y="0"/>
+          <a:ext cx="0" cy="0"/>
+          <a:chOff x="0" y="0"/>
+          <a:chExt cx="0" cy="0"/>
+        </a:xfrm>
+      </p:grpSpPr>
+      <p:pic>
+        <p:nvPicPr>
+          <p:cNvPr id="1026" name="Picture 2"/>
+          <p:cNvPicPr>
+            <a:picLocks noChangeAspect="1" noChangeArrowheads="1"/>
+          </p:cNvPicPr>
+          <p:nvPr/>
+        </p:nvPicPr>
+        <p:blipFill>
+          <a:blip r:embed="rId2">
+            <a:extLst>
+              <a:ext uri="{28A0092B-C50C-407E-A947-70E740481C1C}">
+                <a14:useLocalDpi xmlns:a14="http://schemas.microsoft.com/office/drawing/2010/main" val="0"/>
+              </a:ext>
+            </a:extLst>
+          </a:blip>
+          <a:srcRect/>
+          <a:stretch>
+            <a:fillRect/>
+          </a:stretch>
+        </p:blipFill>
+        <p:spPr bwMode="auto">
+          <a:xfrm>
+            <a:off x="-1" y="836712"/>
+            <a:ext cx="8180387" cy="1333500"/>
+          </a:xfrm>
+          <a:prstGeom prst="rect">
+            <a:avLst/>
+          </a:prstGeom>
+          <a:noFill/>
+          <a:ln>
+            <a:noFill/>
+          </a:ln>
+          <a:effectLst/>
+          <a:extLst>
+            <a:ext uri="{909E8E84-426E-40DD-AFC4-6F175D3DCCD1}">
+              <a14:hiddenFill xmlns:a14="http://schemas.microsoft.com/office/drawing/2010/main">
+                <a:solidFill>
+                  <a:schemeClr val="accent1"/>
+                </a:solidFill>
+              </a14:hiddenFill>
+            </a:ext>
+            <a:ext uri="{91240B29-F687-4F45-9708-019B960494DF}">
+              <a14:hiddenLine xmlns:a14="http://schemas.microsoft.com/office/drawing/2010/main" w="9525">
+                <a:solidFill>
+                  <a:schemeClr val="tx1"/>
+                </a:solidFill>
+                <a:miter lim="800000"/>
+                <a:headEnd/>
+                <a:tailEnd/>
+              </a14:hiddenLine>
+            </a:ext>
+            <a:ext uri="{AF507438-7753-43E0-B8FC-AC1667EBCBE1}">
+              <a14:hiddenEffects xmlns:a14="http://schemas.microsoft.com/office/drawing/2010/main">
+                <a:effectLst>
+                  <a:outerShdw dist="35921" dir="2700000" algn="ctr" rotWithShape="0">
+                    <a:schemeClr val="bg2"/>
+                  </a:outerShdw>
+                </a:effectLst>
+              </a14:hiddenEffects>
+            </a:ext>
+          </a:extLst>
+        </p:spPr>
+      </p:pic>
+      <p:sp>
+        <p:nvSpPr>
+          <p:cNvPr id="4" name="TextBox 3"/>
+          <p:cNvSpPr txBox="1"/>
+          <p:nvPr/>
+        </p:nvSpPr>
+        <p:spPr>
+          <a:xfrm>
+            <a:off x="251520" y="332656"/>
+            <a:ext cx="7820474" cy="276999"/>
+          </a:xfrm>
+          <a:prstGeom prst="rect">
+            <a:avLst/>
+          </a:prstGeom>
+          <a:noFill/>
+        </p:spPr>
+        <p:txBody>
+          <a:bodyPr wrap="none" rtlCol="0">
+            <a:spAutoFit/>
+          </a:bodyPr>
+          <a:lstStyle/>
+          <a:p>
+            <a:r>
+              <a:rPr lang="en-US" altLang="zh-CN" sz="1200" dirty="0" smtClean="0"/>
+              <a:t>P77  </a:t>
+            </a:r>
+            <a:r>
+              <a:rPr lang="en-US" altLang="zh-CN" sz="1200" dirty="0" err="1" smtClean="0"/>
+              <a:t>Config</a:t>
+            </a:r>
+            <a:r>
+              <a:rPr lang="zh-CN" altLang="en-US" sz="1200" dirty="0" smtClean="0"/>
+              <a:t>动态刷新之手动版，运维人员更改配置文件后，手动发送刷新亲求到</a:t>
+            </a:r>
+            <a:r>
+              <a:rPr lang="en-US" altLang="zh-CN" sz="1200" dirty="0" smtClean="0"/>
+              <a:t>3355</a:t>
+            </a:r>
+            <a:r>
+              <a:rPr lang="zh-CN" altLang="en-US" sz="1200" dirty="0" smtClean="0"/>
+              <a:t>客户端，让其也同步刷新配置</a:t>
+            </a:r>
+            <a:endParaRPr lang="zh-CN" altLang="en-US" sz="1200" dirty="0"/>
+          </a:p>
+        </p:txBody>
+      </p:sp>
+    </p:spTree>
+    <p:extLst>
+      <p:ext uri="{BB962C8B-B14F-4D97-AF65-F5344CB8AC3E}">
+        <p14:creationId xmlns:p14="http://schemas.microsoft.com/office/powerpoint/2010/main" val="2431289106"/>
       </p:ext>
     </p:extLst>
   </p:cSld>

--- a/SpringCloud笔记/课程截图.pptx
+++ b/SpringCloud笔记/课程截图.pptx
@@ -295,7 +295,7 @@
           <a:p>
             <a:fld id="{530820CF-B880-4189-942D-D702A7CBA730}" type="datetimeFigureOut">
               <a:rPr lang="zh-CN" altLang="en-US" smtClean="0"/>
-              <a:t>2022/7/27</a:t>
+              <a:t>2022/7/28</a:t>
             </a:fld>
             <a:endParaRPr lang="zh-CN" altLang="en-US"/>
           </a:p>
@@ -460,7 +460,7 @@
           <a:p>
             <a:fld id="{530820CF-B880-4189-942D-D702A7CBA730}" type="datetimeFigureOut">
               <a:rPr lang="zh-CN" altLang="en-US" smtClean="0"/>
-              <a:t>2022/7/27</a:t>
+              <a:t>2022/7/28</a:t>
             </a:fld>
             <a:endParaRPr lang="zh-CN" altLang="en-US"/>
           </a:p>
@@ -635,7 +635,7 @@
           <a:p>
             <a:fld id="{530820CF-B880-4189-942D-D702A7CBA730}" type="datetimeFigureOut">
               <a:rPr lang="zh-CN" altLang="en-US" smtClean="0"/>
-              <a:t>2022/7/27</a:t>
+              <a:t>2022/7/28</a:t>
             </a:fld>
             <a:endParaRPr lang="zh-CN" altLang="en-US"/>
           </a:p>
@@ -800,7 +800,7 @@
           <a:p>
             <a:fld id="{530820CF-B880-4189-942D-D702A7CBA730}" type="datetimeFigureOut">
               <a:rPr lang="zh-CN" altLang="en-US" smtClean="0"/>
-              <a:t>2022/7/27</a:t>
+              <a:t>2022/7/28</a:t>
             </a:fld>
             <a:endParaRPr lang="zh-CN" altLang="en-US"/>
           </a:p>
@@ -1041,7 +1041,7 @@
           <a:p>
             <a:fld id="{530820CF-B880-4189-942D-D702A7CBA730}" type="datetimeFigureOut">
               <a:rPr lang="zh-CN" altLang="en-US" smtClean="0"/>
-              <a:t>2022/7/27</a:t>
+              <a:t>2022/7/28</a:t>
             </a:fld>
             <a:endParaRPr lang="zh-CN" altLang="en-US"/>
           </a:p>
@@ -1324,7 +1324,7 @@
           <a:p>
             <a:fld id="{530820CF-B880-4189-942D-D702A7CBA730}" type="datetimeFigureOut">
               <a:rPr lang="zh-CN" altLang="en-US" smtClean="0"/>
-              <a:t>2022/7/27</a:t>
+              <a:t>2022/7/28</a:t>
             </a:fld>
             <a:endParaRPr lang="zh-CN" altLang="en-US"/>
           </a:p>
@@ -1741,7 +1741,7 @@
           <a:p>
             <a:fld id="{530820CF-B880-4189-942D-D702A7CBA730}" type="datetimeFigureOut">
               <a:rPr lang="zh-CN" altLang="en-US" smtClean="0"/>
-              <a:t>2022/7/27</a:t>
+              <a:t>2022/7/28</a:t>
             </a:fld>
             <a:endParaRPr lang="zh-CN" altLang="en-US"/>
           </a:p>
@@ -1854,7 +1854,7 @@
           <a:p>
             <a:fld id="{530820CF-B880-4189-942D-D702A7CBA730}" type="datetimeFigureOut">
               <a:rPr lang="zh-CN" altLang="en-US" smtClean="0"/>
-              <a:t>2022/7/27</a:t>
+              <a:t>2022/7/28</a:t>
             </a:fld>
             <a:endParaRPr lang="zh-CN" altLang="en-US"/>
           </a:p>
@@ -1944,7 +1944,7 @@
           <a:p>
             <a:fld id="{530820CF-B880-4189-942D-D702A7CBA730}" type="datetimeFigureOut">
               <a:rPr lang="zh-CN" altLang="en-US" smtClean="0"/>
-              <a:t>2022/7/27</a:t>
+              <a:t>2022/7/28</a:t>
             </a:fld>
             <a:endParaRPr lang="zh-CN" altLang="en-US"/>
           </a:p>
@@ -2216,7 +2216,7 @@
           <a:p>
             <a:fld id="{530820CF-B880-4189-942D-D702A7CBA730}" type="datetimeFigureOut">
               <a:rPr lang="zh-CN" altLang="en-US" smtClean="0"/>
-              <a:t>2022/7/27</a:t>
+              <a:t>2022/7/28</a:t>
             </a:fld>
             <a:endParaRPr lang="zh-CN" altLang="en-US"/>
           </a:p>
@@ -2464,7 +2464,7 @@
           <a:p>
             <a:fld id="{530820CF-B880-4189-942D-D702A7CBA730}" type="datetimeFigureOut">
               <a:rPr lang="zh-CN" altLang="en-US" smtClean="0"/>
-              <a:t>2022/7/27</a:t>
+              <a:t>2022/7/28</a:t>
             </a:fld>
             <a:endParaRPr lang="zh-CN" altLang="en-US"/>
           </a:p>
@@ -2672,7 +2672,7 @@
           <a:p>
             <a:fld id="{530820CF-B880-4189-942D-D702A7CBA730}" type="datetimeFigureOut">
               <a:rPr lang="zh-CN" altLang="en-US" smtClean="0"/>
-              <a:t>2022/7/27</a:t>
+              <a:t>2022/7/28</a:t>
             </a:fld>
             <a:endParaRPr lang="zh-CN" altLang="en-US"/>
           </a:p>
@@ -4186,15 +4186,15 @@
           <a:p>
             <a:r>
               <a:rPr lang="en-US" altLang="zh-CN" dirty="0" err="1" smtClean="0"/>
-              <a:t>Configmokuai</a:t>
-            </a:r>
-            <a:r>
-              <a:rPr lang="en-US" altLang="zh-CN" dirty="0" smtClean="0"/>
-              <a:t> </a:t>
+              <a:t>Config</a:t>
             </a:r>
             <a:r>
               <a:rPr lang="zh-CN" altLang="en-US" dirty="0" smtClean="0"/>
-              <a:t>访问地址范例</a:t>
+              <a:t>模块访问</a:t>
+            </a:r>
+            <a:r>
+              <a:rPr lang="zh-CN" altLang="en-US" dirty="0" smtClean="0"/>
+              <a:t>地址范例</a:t>
             </a:r>
             <a:endParaRPr lang="zh-CN" altLang="en-US" dirty="0"/>
           </a:p>

--- a/SpringCloud笔记/课程截图.pptx
+++ b/SpringCloud笔记/课程截图.pptx
@@ -295,7 +295,7 @@
           <a:p>
             <a:fld id="{530820CF-B880-4189-942D-D702A7CBA730}" type="datetimeFigureOut">
               <a:rPr lang="zh-CN" altLang="en-US" smtClean="0"/>
-              <a:t>2022/7/28</a:t>
+              <a:t>2022/8/3</a:t>
             </a:fld>
             <a:endParaRPr lang="zh-CN" altLang="en-US"/>
           </a:p>
@@ -460,7 +460,7 @@
           <a:p>
             <a:fld id="{530820CF-B880-4189-942D-D702A7CBA730}" type="datetimeFigureOut">
               <a:rPr lang="zh-CN" altLang="en-US" smtClean="0"/>
-              <a:t>2022/7/28</a:t>
+              <a:t>2022/8/3</a:t>
             </a:fld>
             <a:endParaRPr lang="zh-CN" altLang="en-US"/>
           </a:p>
@@ -635,7 +635,7 @@
           <a:p>
             <a:fld id="{530820CF-B880-4189-942D-D702A7CBA730}" type="datetimeFigureOut">
               <a:rPr lang="zh-CN" altLang="en-US" smtClean="0"/>
-              <a:t>2022/7/28</a:t>
+              <a:t>2022/8/3</a:t>
             </a:fld>
             <a:endParaRPr lang="zh-CN" altLang="en-US"/>
           </a:p>
@@ -800,7 +800,7 @@
           <a:p>
             <a:fld id="{530820CF-B880-4189-942D-D702A7CBA730}" type="datetimeFigureOut">
               <a:rPr lang="zh-CN" altLang="en-US" smtClean="0"/>
-              <a:t>2022/7/28</a:t>
+              <a:t>2022/8/3</a:t>
             </a:fld>
             <a:endParaRPr lang="zh-CN" altLang="en-US"/>
           </a:p>
@@ -1041,7 +1041,7 @@
           <a:p>
             <a:fld id="{530820CF-B880-4189-942D-D702A7CBA730}" type="datetimeFigureOut">
               <a:rPr lang="zh-CN" altLang="en-US" smtClean="0"/>
-              <a:t>2022/7/28</a:t>
+              <a:t>2022/8/3</a:t>
             </a:fld>
             <a:endParaRPr lang="zh-CN" altLang="en-US"/>
           </a:p>
@@ -1324,7 +1324,7 @@
           <a:p>
             <a:fld id="{530820CF-B880-4189-942D-D702A7CBA730}" type="datetimeFigureOut">
               <a:rPr lang="zh-CN" altLang="en-US" smtClean="0"/>
-              <a:t>2022/7/28</a:t>
+              <a:t>2022/8/3</a:t>
             </a:fld>
             <a:endParaRPr lang="zh-CN" altLang="en-US"/>
           </a:p>
@@ -1741,7 +1741,7 @@
           <a:p>
             <a:fld id="{530820CF-B880-4189-942D-D702A7CBA730}" type="datetimeFigureOut">
               <a:rPr lang="zh-CN" altLang="en-US" smtClean="0"/>
-              <a:t>2022/7/28</a:t>
+              <a:t>2022/8/3</a:t>
             </a:fld>
             <a:endParaRPr lang="zh-CN" altLang="en-US"/>
           </a:p>
@@ -1854,7 +1854,7 @@
           <a:p>
             <a:fld id="{530820CF-B880-4189-942D-D702A7CBA730}" type="datetimeFigureOut">
               <a:rPr lang="zh-CN" altLang="en-US" smtClean="0"/>
-              <a:t>2022/7/28</a:t>
+              <a:t>2022/8/3</a:t>
             </a:fld>
             <a:endParaRPr lang="zh-CN" altLang="en-US"/>
           </a:p>
@@ -1944,7 +1944,7 @@
           <a:p>
             <a:fld id="{530820CF-B880-4189-942D-D702A7CBA730}" type="datetimeFigureOut">
               <a:rPr lang="zh-CN" altLang="en-US" smtClean="0"/>
-              <a:t>2022/7/28</a:t>
+              <a:t>2022/8/3</a:t>
             </a:fld>
             <a:endParaRPr lang="zh-CN" altLang="en-US"/>
           </a:p>
@@ -2216,7 +2216,7 @@
           <a:p>
             <a:fld id="{530820CF-B880-4189-942D-D702A7CBA730}" type="datetimeFigureOut">
               <a:rPr lang="zh-CN" altLang="en-US" smtClean="0"/>
-              <a:t>2022/7/28</a:t>
+              <a:t>2022/8/3</a:t>
             </a:fld>
             <a:endParaRPr lang="zh-CN" altLang="en-US"/>
           </a:p>
@@ -2464,7 +2464,7 @@
           <a:p>
             <a:fld id="{530820CF-B880-4189-942D-D702A7CBA730}" type="datetimeFigureOut">
               <a:rPr lang="zh-CN" altLang="en-US" smtClean="0"/>
-              <a:t>2022/7/28</a:t>
+              <a:t>2022/8/3</a:t>
             </a:fld>
             <a:endParaRPr lang="zh-CN" altLang="en-US"/>
           </a:p>
@@ -2672,7 +2672,7 @@
           <a:p>
             <a:fld id="{530820CF-B880-4189-942D-D702A7CBA730}" type="datetimeFigureOut">
               <a:rPr lang="zh-CN" altLang="en-US" smtClean="0"/>
-              <a:t>2022/7/28</a:t>
+              <a:t>2022/8/3</a:t>
             </a:fld>
             <a:endParaRPr lang="zh-CN" altLang="en-US"/>
           </a:p>
@@ -4190,11 +4190,7 @@
             </a:r>
             <a:r>
               <a:rPr lang="zh-CN" altLang="en-US" dirty="0" smtClean="0"/>
-              <a:t>模块访问</a:t>
-            </a:r>
-            <a:r>
-              <a:rPr lang="zh-CN" altLang="en-US" dirty="0" smtClean="0"/>
-              <a:t>地址范例</a:t>
+              <a:t>模块访问地址范例</a:t>
             </a:r>
             <a:endParaRPr lang="zh-CN" altLang="en-US" dirty="0"/>
           </a:p>
@@ -4696,6 +4692,112 @@
               <a:t>客户端，让其也同步刷新配置</a:t>
             </a:r>
             <a:endParaRPr lang="zh-CN" altLang="en-US" sz="1200" dirty="0"/>
+          </a:p>
+        </p:txBody>
+      </p:sp>
+      <p:pic>
+        <p:nvPicPr>
+          <p:cNvPr id="2" name="Picture 2"/>
+          <p:cNvPicPr>
+            <a:picLocks noChangeAspect="1" noChangeArrowheads="1"/>
+          </p:cNvPicPr>
+          <p:nvPr/>
+        </p:nvPicPr>
+        <p:blipFill>
+          <a:blip r:embed="rId3" cstate="print">
+            <a:extLst>
+              <a:ext uri="{28A0092B-C50C-407E-A947-70E740481C1C}">
+                <a14:useLocalDpi xmlns:a14="http://schemas.microsoft.com/office/drawing/2010/main" val="0"/>
+              </a:ext>
+            </a:extLst>
+          </a:blip>
+          <a:srcRect/>
+          <a:stretch>
+            <a:fillRect/>
+          </a:stretch>
+        </p:blipFill>
+        <p:spPr bwMode="auto">
+          <a:xfrm>
+            <a:off x="107504" y="2996952"/>
+            <a:ext cx="5603107" cy="835061"/>
+          </a:xfrm>
+          <a:prstGeom prst="rect">
+            <a:avLst/>
+          </a:prstGeom>
+          <a:noFill/>
+          <a:ln>
+            <a:noFill/>
+          </a:ln>
+          <a:effectLst/>
+          <a:extLst>
+            <a:ext uri="{909E8E84-426E-40DD-AFC4-6F175D3DCCD1}">
+              <a14:hiddenFill xmlns:a14="http://schemas.microsoft.com/office/drawing/2010/main">
+                <a:solidFill>
+                  <a:schemeClr val="accent1"/>
+                </a:solidFill>
+              </a14:hiddenFill>
+            </a:ext>
+            <a:ext uri="{91240B29-F687-4F45-9708-019B960494DF}">
+              <a14:hiddenLine xmlns:a14="http://schemas.microsoft.com/office/drawing/2010/main" w="9525">
+                <a:solidFill>
+                  <a:schemeClr val="tx1"/>
+                </a:solidFill>
+                <a:miter lim="800000"/>
+                <a:headEnd/>
+                <a:tailEnd/>
+              </a14:hiddenLine>
+            </a:ext>
+            <a:ext uri="{AF507438-7753-43E0-B8FC-AC1667EBCBE1}">
+              <a14:hiddenEffects xmlns:a14="http://schemas.microsoft.com/office/drawing/2010/main">
+                <a:effectLst>
+                  <a:outerShdw dist="35921" dir="2700000" algn="ctr" rotWithShape="0">
+                    <a:schemeClr val="bg2"/>
+                  </a:outerShdw>
+                </a:effectLst>
+              </a14:hiddenEffects>
+            </a:ext>
+          </a:extLst>
+        </p:spPr>
+      </p:pic>
+      <p:sp>
+        <p:nvSpPr>
+          <p:cNvPr id="3" name="TextBox 2"/>
+          <p:cNvSpPr txBox="1"/>
+          <p:nvPr/>
+        </p:nvSpPr>
+        <p:spPr>
+          <a:xfrm>
+            <a:off x="6012160" y="3573016"/>
+            <a:ext cx="3131840" cy="461665"/>
+          </a:xfrm>
+          <a:prstGeom prst="rect">
+            <a:avLst/>
+          </a:prstGeom>
+          <a:noFill/>
+        </p:spPr>
+        <p:txBody>
+          <a:bodyPr wrap="square" rtlCol="0">
+            <a:spAutoFit/>
+          </a:bodyPr>
+          <a:lstStyle/>
+          <a:p>
+            <a:r>
+              <a:rPr lang="en-US" altLang="zh-CN" sz="1200" smtClean="0"/>
+              <a:t>config—client</a:t>
+            </a:r>
+            <a:r>
+              <a:rPr lang="zh-CN" altLang="en-US" sz="1200" smtClean="0"/>
+              <a:t>是客户端微服务的名称，</a:t>
+            </a:r>
+            <a:r>
+              <a:rPr lang="en-US" altLang="zh-CN" sz="1200" smtClean="0"/>
+              <a:t>3355</a:t>
+            </a:r>
+            <a:r>
+              <a:rPr lang="zh-CN" altLang="en-US" sz="1200" smtClean="0"/>
+              <a:t>是端口号</a:t>
+            </a:r>
+            <a:endParaRPr lang="zh-CN" altLang="en-US" sz="1200"/>
           </a:p>
         </p:txBody>
       </p:sp>

--- a/SpringCloud笔记/课程截图.pptx
+++ b/SpringCloud笔记/课程截图.pptx
@@ -13,6 +13,7 @@
     <p:sldId id="261" r:id="rId7"/>
     <p:sldId id="262" r:id="rId8"/>
     <p:sldId id="263" r:id="rId9"/>
+    <p:sldId id="264" r:id="rId10"/>
   </p:sldIdLst>
   <p:sldSz cx="9144000" cy="6858000" type="screen4x3"/>
   <p:notesSz cx="6858000" cy="9144000"/>
@@ -295,7 +296,7 @@
           <a:p>
             <a:fld id="{530820CF-B880-4189-942D-D702A7CBA730}" type="datetimeFigureOut">
               <a:rPr lang="zh-CN" altLang="en-US" smtClean="0"/>
-              <a:t>2022/8/3</a:t>
+              <a:t>2022/8/16</a:t>
             </a:fld>
             <a:endParaRPr lang="zh-CN" altLang="en-US"/>
           </a:p>
@@ -460,7 +461,7 @@
           <a:p>
             <a:fld id="{530820CF-B880-4189-942D-D702A7CBA730}" type="datetimeFigureOut">
               <a:rPr lang="zh-CN" altLang="en-US" smtClean="0"/>
-              <a:t>2022/8/3</a:t>
+              <a:t>2022/8/16</a:t>
             </a:fld>
             <a:endParaRPr lang="zh-CN" altLang="en-US"/>
           </a:p>
@@ -635,7 +636,7 @@
           <a:p>
             <a:fld id="{530820CF-B880-4189-942D-D702A7CBA730}" type="datetimeFigureOut">
               <a:rPr lang="zh-CN" altLang="en-US" smtClean="0"/>
-              <a:t>2022/8/3</a:t>
+              <a:t>2022/8/16</a:t>
             </a:fld>
             <a:endParaRPr lang="zh-CN" altLang="en-US"/>
           </a:p>
@@ -800,7 +801,7 @@
           <a:p>
             <a:fld id="{530820CF-B880-4189-942D-D702A7CBA730}" type="datetimeFigureOut">
               <a:rPr lang="zh-CN" altLang="en-US" smtClean="0"/>
-              <a:t>2022/8/3</a:t>
+              <a:t>2022/8/16</a:t>
             </a:fld>
             <a:endParaRPr lang="zh-CN" altLang="en-US"/>
           </a:p>
@@ -1041,7 +1042,7 @@
           <a:p>
             <a:fld id="{530820CF-B880-4189-942D-D702A7CBA730}" type="datetimeFigureOut">
               <a:rPr lang="zh-CN" altLang="en-US" smtClean="0"/>
-              <a:t>2022/8/3</a:t>
+              <a:t>2022/8/16</a:t>
             </a:fld>
             <a:endParaRPr lang="zh-CN" altLang="en-US"/>
           </a:p>
@@ -1324,7 +1325,7 @@
           <a:p>
             <a:fld id="{530820CF-B880-4189-942D-D702A7CBA730}" type="datetimeFigureOut">
               <a:rPr lang="zh-CN" altLang="en-US" smtClean="0"/>
-              <a:t>2022/8/3</a:t>
+              <a:t>2022/8/16</a:t>
             </a:fld>
             <a:endParaRPr lang="zh-CN" altLang="en-US"/>
           </a:p>
@@ -1741,7 +1742,7 @@
           <a:p>
             <a:fld id="{530820CF-B880-4189-942D-D702A7CBA730}" type="datetimeFigureOut">
               <a:rPr lang="zh-CN" altLang="en-US" smtClean="0"/>
-              <a:t>2022/8/3</a:t>
+              <a:t>2022/8/16</a:t>
             </a:fld>
             <a:endParaRPr lang="zh-CN" altLang="en-US"/>
           </a:p>
@@ -1854,7 +1855,7 @@
           <a:p>
             <a:fld id="{530820CF-B880-4189-942D-D702A7CBA730}" type="datetimeFigureOut">
               <a:rPr lang="zh-CN" altLang="en-US" smtClean="0"/>
-              <a:t>2022/8/3</a:t>
+              <a:t>2022/8/16</a:t>
             </a:fld>
             <a:endParaRPr lang="zh-CN" altLang="en-US"/>
           </a:p>
@@ -1944,7 +1945,7 @@
           <a:p>
             <a:fld id="{530820CF-B880-4189-942D-D702A7CBA730}" type="datetimeFigureOut">
               <a:rPr lang="zh-CN" altLang="en-US" smtClean="0"/>
-              <a:t>2022/8/3</a:t>
+              <a:t>2022/8/16</a:t>
             </a:fld>
             <a:endParaRPr lang="zh-CN" altLang="en-US"/>
           </a:p>
@@ -2216,7 +2217,7 @@
           <a:p>
             <a:fld id="{530820CF-B880-4189-942D-D702A7CBA730}" type="datetimeFigureOut">
               <a:rPr lang="zh-CN" altLang="en-US" smtClean="0"/>
-              <a:t>2022/8/3</a:t>
+              <a:t>2022/8/16</a:t>
             </a:fld>
             <a:endParaRPr lang="zh-CN" altLang="en-US"/>
           </a:p>
@@ -2464,7 +2465,7 @@
           <a:p>
             <a:fld id="{530820CF-B880-4189-942D-D702A7CBA730}" type="datetimeFigureOut">
               <a:rPr lang="zh-CN" altLang="en-US" smtClean="0"/>
-              <a:t>2022/8/3</a:t>
+              <a:t>2022/8/16</a:t>
             </a:fld>
             <a:endParaRPr lang="zh-CN" altLang="en-US"/>
           </a:p>
@@ -2672,7 +2673,7 @@
           <a:p>
             <a:fld id="{530820CF-B880-4189-942D-D702A7CBA730}" type="datetimeFigureOut">
               <a:rPr lang="zh-CN" altLang="en-US" smtClean="0"/>
-              <a:t>2022/8/3</a:t>
+              <a:t>2022/8/16</a:t>
             </a:fld>
             <a:endParaRPr lang="zh-CN" altLang="en-US"/>
           </a:p>
@@ -4814,6 +4815,228 @@
 </p:sld>
 </file>
 
+<file path=ppt/slides/slide9.xml><?xml version="1.0" encoding="utf-8"?>
+<p:sld xmlns:a="http://schemas.openxmlformats.org/drawingml/2006/main" xmlns:r="http://schemas.openxmlformats.org/officeDocument/2006/relationships" xmlns:p="http://schemas.openxmlformats.org/presentationml/2006/main">
+  <p:cSld>
+    <p:spTree>
+      <p:nvGrpSpPr>
+        <p:cNvPr id="1" name=""/>
+        <p:cNvGrpSpPr/>
+        <p:nvPr/>
+      </p:nvGrpSpPr>
+      <p:grpSpPr>
+        <a:xfrm>
+          <a:off x="0" y="0"/>
+          <a:ext cx="0" cy="0"/>
+          <a:chOff x="0" y="0"/>
+          <a:chExt cx="0" cy="0"/>
+        </a:xfrm>
+      </p:grpSpPr>
+      <p:pic>
+        <p:nvPicPr>
+          <p:cNvPr id="4" name="Picture 2"/>
+          <p:cNvPicPr>
+            <a:picLocks noChangeAspect="1" noChangeArrowheads="1"/>
+          </p:cNvPicPr>
+          <p:nvPr/>
+        </p:nvPicPr>
+        <p:blipFill>
+          <a:blip r:embed="rId2">
+            <a:extLst>
+              <a:ext uri="{28A0092B-C50C-407E-A947-70E740481C1C}">
+                <a14:useLocalDpi xmlns:a14="http://schemas.microsoft.com/office/drawing/2010/main" val="0"/>
+              </a:ext>
+            </a:extLst>
+          </a:blip>
+          <a:srcRect/>
+          <a:stretch>
+            <a:fillRect/>
+          </a:stretch>
+        </p:blipFill>
+        <p:spPr bwMode="auto">
+          <a:xfrm>
+            <a:off x="107504" y="260648"/>
+            <a:ext cx="5991697" cy="2124618"/>
+          </a:xfrm>
+          <a:prstGeom prst="rect">
+            <a:avLst/>
+          </a:prstGeom>
+          <a:noFill/>
+          <a:ln>
+            <a:noFill/>
+          </a:ln>
+          <a:effectLst/>
+          <a:extLst>
+            <a:ext uri="{909E8E84-426E-40DD-AFC4-6F175D3DCCD1}">
+              <a14:hiddenFill xmlns:a14="http://schemas.microsoft.com/office/drawing/2010/main">
+                <a:solidFill>
+                  <a:schemeClr val="accent1"/>
+                </a:solidFill>
+              </a14:hiddenFill>
+            </a:ext>
+            <a:ext uri="{91240B29-F687-4F45-9708-019B960494DF}">
+              <a14:hiddenLine xmlns:a14="http://schemas.microsoft.com/office/drawing/2010/main" w="9525">
+                <a:solidFill>
+                  <a:schemeClr val="tx1"/>
+                </a:solidFill>
+                <a:miter lim="800000"/>
+                <a:headEnd/>
+                <a:tailEnd/>
+              </a14:hiddenLine>
+            </a:ext>
+            <a:ext uri="{AF507438-7753-43E0-B8FC-AC1667EBCBE1}">
+              <a14:hiddenEffects xmlns:a14="http://schemas.microsoft.com/office/drawing/2010/main">
+                <a:effectLst>
+                  <a:outerShdw dist="35921" dir="2700000" algn="ctr" rotWithShape="0">
+                    <a:schemeClr val="bg2"/>
+                  </a:outerShdw>
+                </a:effectLst>
+              </a14:hiddenEffects>
+            </a:ext>
+          </a:extLst>
+        </p:spPr>
+      </p:pic>
+      <p:pic>
+        <p:nvPicPr>
+          <p:cNvPr id="2050" name="Picture 2"/>
+          <p:cNvPicPr>
+            <a:picLocks noChangeAspect="1" noChangeArrowheads="1"/>
+          </p:cNvPicPr>
+          <p:nvPr/>
+        </p:nvPicPr>
+        <p:blipFill>
+          <a:blip r:embed="rId3">
+            <a:extLst>
+              <a:ext uri="{28A0092B-C50C-407E-A947-70E740481C1C}">
+                <a14:useLocalDpi xmlns:a14="http://schemas.microsoft.com/office/drawing/2010/main" val="0"/>
+              </a:ext>
+            </a:extLst>
+          </a:blip>
+          <a:srcRect/>
+          <a:stretch>
+            <a:fillRect/>
+          </a:stretch>
+        </p:blipFill>
+        <p:spPr bwMode="auto">
+          <a:xfrm>
+            <a:off x="-20923" y="2564905"/>
+            <a:ext cx="4520916" cy="1889958"/>
+          </a:xfrm>
+          <a:prstGeom prst="rect">
+            <a:avLst/>
+          </a:prstGeom>
+          <a:noFill/>
+          <a:ln>
+            <a:noFill/>
+          </a:ln>
+          <a:effectLst/>
+          <a:extLst>
+            <a:ext uri="{909E8E84-426E-40DD-AFC4-6F175D3DCCD1}">
+              <a14:hiddenFill xmlns:a14="http://schemas.microsoft.com/office/drawing/2010/main">
+                <a:solidFill>
+                  <a:schemeClr val="accent1"/>
+                </a:solidFill>
+              </a14:hiddenFill>
+            </a:ext>
+            <a:ext uri="{91240B29-F687-4F45-9708-019B960494DF}">
+              <a14:hiddenLine xmlns:a14="http://schemas.microsoft.com/office/drawing/2010/main" w="9525">
+                <a:solidFill>
+                  <a:schemeClr val="tx1"/>
+                </a:solidFill>
+                <a:miter lim="800000"/>
+                <a:headEnd/>
+                <a:tailEnd/>
+              </a14:hiddenLine>
+            </a:ext>
+            <a:ext uri="{AF507438-7753-43E0-B8FC-AC1667EBCBE1}">
+              <a14:hiddenEffects xmlns:a14="http://schemas.microsoft.com/office/drawing/2010/main">
+                <a:effectLst>
+                  <a:outerShdw dist="35921" dir="2700000" algn="ctr" rotWithShape="0">
+                    <a:schemeClr val="bg2"/>
+                  </a:outerShdw>
+                </a:effectLst>
+              </a14:hiddenEffects>
+            </a:ext>
+          </a:extLst>
+        </p:spPr>
+      </p:pic>
+      <p:pic>
+        <p:nvPicPr>
+          <p:cNvPr id="2051" name="Picture 3"/>
+          <p:cNvPicPr>
+            <a:picLocks noChangeAspect="1" noChangeArrowheads="1"/>
+          </p:cNvPicPr>
+          <p:nvPr/>
+        </p:nvPicPr>
+        <p:blipFill>
+          <a:blip r:embed="rId4">
+            <a:extLst>
+              <a:ext uri="{28A0092B-C50C-407E-A947-70E740481C1C}">
+                <a14:useLocalDpi xmlns:a14="http://schemas.microsoft.com/office/drawing/2010/main" val="0"/>
+              </a:ext>
+            </a:extLst>
+          </a:blip>
+          <a:srcRect/>
+          <a:stretch>
+            <a:fillRect/>
+          </a:stretch>
+        </p:blipFill>
+        <p:spPr bwMode="auto">
+          <a:xfrm>
+            <a:off x="-1226" y="4481910"/>
+            <a:ext cx="5971503" cy="2115441"/>
+          </a:xfrm>
+          <a:prstGeom prst="rect">
+            <a:avLst/>
+          </a:prstGeom>
+          <a:noFill/>
+          <a:ln>
+            <a:noFill/>
+          </a:ln>
+          <a:effectLst/>
+          <a:extLst>
+            <a:ext uri="{909E8E84-426E-40DD-AFC4-6F175D3DCCD1}">
+              <a14:hiddenFill xmlns:a14="http://schemas.microsoft.com/office/drawing/2010/main">
+                <a:solidFill>
+                  <a:schemeClr val="accent1"/>
+                </a:solidFill>
+              </a14:hiddenFill>
+            </a:ext>
+            <a:ext uri="{91240B29-F687-4F45-9708-019B960494DF}">
+              <a14:hiddenLine xmlns:a14="http://schemas.microsoft.com/office/drawing/2010/main" w="9525">
+                <a:solidFill>
+                  <a:schemeClr val="tx1"/>
+                </a:solidFill>
+                <a:miter lim="800000"/>
+                <a:headEnd/>
+                <a:tailEnd/>
+              </a14:hiddenLine>
+            </a:ext>
+            <a:ext uri="{AF507438-7753-43E0-B8FC-AC1667EBCBE1}">
+              <a14:hiddenEffects xmlns:a14="http://schemas.microsoft.com/office/drawing/2010/main">
+                <a:effectLst>
+                  <a:outerShdw dist="35921" dir="2700000" algn="ctr" rotWithShape="0">
+                    <a:schemeClr val="bg2"/>
+                  </a:outerShdw>
+                </a:effectLst>
+              </a14:hiddenEffects>
+            </a:ext>
+          </a:extLst>
+        </p:spPr>
+      </p:pic>
+    </p:spTree>
+    <p:extLst>
+      <p:ext uri="{BB962C8B-B14F-4D97-AF65-F5344CB8AC3E}">
+        <p14:creationId xmlns:p14="http://schemas.microsoft.com/office/powerpoint/2010/main" val="3350630702"/>
+      </p:ext>
+    </p:extLst>
+  </p:cSld>
+  <p:clrMapOvr>
+    <a:masterClrMapping/>
+  </p:clrMapOvr>
+</p:sld>
+</file>
+
 <file path=ppt/theme/theme1.xml><?xml version="1.0" encoding="utf-8"?>
 <a:theme xmlns:a="http://schemas.openxmlformats.org/drawingml/2006/main" name="Office 主题">
   <a:themeElements>

--- a/SpringCloud笔记/课程截图.pptx
+++ b/SpringCloud笔记/课程截图.pptx
@@ -14,6 +14,7 @@
     <p:sldId id="262" r:id="rId8"/>
     <p:sldId id="263" r:id="rId9"/>
     <p:sldId id="264" r:id="rId10"/>
+    <p:sldId id="265" r:id="rId11"/>
   </p:sldIdLst>
   <p:sldSz cx="9144000" cy="6858000" type="screen4x3"/>
   <p:notesSz cx="6858000" cy="9144000"/>
@@ -296,7 +297,7 @@
           <a:p>
             <a:fld id="{530820CF-B880-4189-942D-D702A7CBA730}" type="datetimeFigureOut">
               <a:rPr lang="zh-CN" altLang="en-US" smtClean="0"/>
-              <a:t>2022/8/16</a:t>
+              <a:t>2022/8/24</a:t>
             </a:fld>
             <a:endParaRPr lang="zh-CN" altLang="en-US"/>
           </a:p>
@@ -461,7 +462,7 @@
           <a:p>
             <a:fld id="{530820CF-B880-4189-942D-D702A7CBA730}" type="datetimeFigureOut">
               <a:rPr lang="zh-CN" altLang="en-US" smtClean="0"/>
-              <a:t>2022/8/16</a:t>
+              <a:t>2022/8/24</a:t>
             </a:fld>
             <a:endParaRPr lang="zh-CN" altLang="en-US"/>
           </a:p>
@@ -636,7 +637,7 @@
           <a:p>
             <a:fld id="{530820CF-B880-4189-942D-D702A7CBA730}" type="datetimeFigureOut">
               <a:rPr lang="zh-CN" altLang="en-US" smtClean="0"/>
-              <a:t>2022/8/16</a:t>
+              <a:t>2022/8/24</a:t>
             </a:fld>
             <a:endParaRPr lang="zh-CN" altLang="en-US"/>
           </a:p>
@@ -801,7 +802,7 @@
           <a:p>
             <a:fld id="{530820CF-B880-4189-942D-D702A7CBA730}" type="datetimeFigureOut">
               <a:rPr lang="zh-CN" altLang="en-US" smtClean="0"/>
-              <a:t>2022/8/16</a:t>
+              <a:t>2022/8/24</a:t>
             </a:fld>
             <a:endParaRPr lang="zh-CN" altLang="en-US"/>
           </a:p>
@@ -1042,7 +1043,7 @@
           <a:p>
             <a:fld id="{530820CF-B880-4189-942D-D702A7CBA730}" type="datetimeFigureOut">
               <a:rPr lang="zh-CN" altLang="en-US" smtClean="0"/>
-              <a:t>2022/8/16</a:t>
+              <a:t>2022/8/24</a:t>
             </a:fld>
             <a:endParaRPr lang="zh-CN" altLang="en-US"/>
           </a:p>
@@ -1325,7 +1326,7 @@
           <a:p>
             <a:fld id="{530820CF-B880-4189-942D-D702A7CBA730}" type="datetimeFigureOut">
               <a:rPr lang="zh-CN" altLang="en-US" smtClean="0"/>
-              <a:t>2022/8/16</a:t>
+              <a:t>2022/8/24</a:t>
             </a:fld>
             <a:endParaRPr lang="zh-CN" altLang="en-US"/>
           </a:p>
@@ -1742,7 +1743,7 @@
           <a:p>
             <a:fld id="{530820CF-B880-4189-942D-D702A7CBA730}" type="datetimeFigureOut">
               <a:rPr lang="zh-CN" altLang="en-US" smtClean="0"/>
-              <a:t>2022/8/16</a:t>
+              <a:t>2022/8/24</a:t>
             </a:fld>
             <a:endParaRPr lang="zh-CN" altLang="en-US"/>
           </a:p>
@@ -1855,7 +1856,7 @@
           <a:p>
             <a:fld id="{530820CF-B880-4189-942D-D702A7CBA730}" type="datetimeFigureOut">
               <a:rPr lang="zh-CN" altLang="en-US" smtClean="0"/>
-              <a:t>2022/8/16</a:t>
+              <a:t>2022/8/24</a:t>
             </a:fld>
             <a:endParaRPr lang="zh-CN" altLang="en-US"/>
           </a:p>
@@ -1945,7 +1946,7 @@
           <a:p>
             <a:fld id="{530820CF-B880-4189-942D-D702A7CBA730}" type="datetimeFigureOut">
               <a:rPr lang="zh-CN" altLang="en-US" smtClean="0"/>
-              <a:t>2022/8/16</a:t>
+              <a:t>2022/8/24</a:t>
             </a:fld>
             <a:endParaRPr lang="zh-CN" altLang="en-US"/>
           </a:p>
@@ -2217,7 +2218,7 @@
           <a:p>
             <a:fld id="{530820CF-B880-4189-942D-D702A7CBA730}" type="datetimeFigureOut">
               <a:rPr lang="zh-CN" altLang="en-US" smtClean="0"/>
-              <a:t>2022/8/16</a:t>
+              <a:t>2022/8/24</a:t>
             </a:fld>
             <a:endParaRPr lang="zh-CN" altLang="en-US"/>
           </a:p>
@@ -2465,7 +2466,7 @@
           <a:p>
             <a:fld id="{530820CF-B880-4189-942D-D702A7CBA730}" type="datetimeFigureOut">
               <a:rPr lang="zh-CN" altLang="en-US" smtClean="0"/>
-              <a:t>2022/8/16</a:t>
+              <a:t>2022/8/24</a:t>
             </a:fld>
             <a:endParaRPr lang="zh-CN" altLang="en-US"/>
           </a:p>
@@ -2673,7 +2674,7 @@
           <a:p>
             <a:fld id="{530820CF-B880-4189-942D-D702A7CBA730}" type="datetimeFigureOut">
               <a:rPr lang="zh-CN" altLang="en-US" smtClean="0"/>
-              <a:t>2022/8/16</a:t>
+              <a:t>2022/8/24</a:t>
             </a:fld>
             <a:endParaRPr lang="zh-CN" altLang="en-US"/>
           </a:p>
@@ -3222,6 +3223,297 @@
 </p:sld>
 </file>
 
+<file path=ppt/slides/slide10.xml><?xml version="1.0" encoding="utf-8"?>
+<p:sld xmlns:a="http://schemas.openxmlformats.org/drawingml/2006/main" xmlns:r="http://schemas.openxmlformats.org/officeDocument/2006/relationships" xmlns:p="http://schemas.openxmlformats.org/presentationml/2006/main">
+  <p:cSld>
+    <p:spTree>
+      <p:nvGrpSpPr>
+        <p:cNvPr id="1" name=""/>
+        <p:cNvGrpSpPr/>
+        <p:nvPr/>
+      </p:nvGrpSpPr>
+      <p:grpSpPr>
+        <a:xfrm>
+          <a:off x="0" y="0"/>
+          <a:ext cx="0" cy="0"/>
+          <a:chOff x="0" y="0"/>
+          <a:chExt cx="0" cy="0"/>
+        </a:xfrm>
+      </p:grpSpPr>
+      <p:pic>
+        <p:nvPicPr>
+          <p:cNvPr id="1026" name="Picture 2"/>
+          <p:cNvPicPr>
+            <a:picLocks noChangeAspect="1" noChangeArrowheads="1"/>
+          </p:cNvPicPr>
+          <p:nvPr/>
+        </p:nvPicPr>
+        <p:blipFill>
+          <a:blip r:embed="rId2">
+            <a:extLst>
+              <a:ext uri="{28A0092B-C50C-407E-A947-70E740481C1C}">
+                <a14:useLocalDpi xmlns:a14="http://schemas.microsoft.com/office/drawing/2010/main" val="0"/>
+              </a:ext>
+            </a:extLst>
+          </a:blip>
+          <a:srcRect/>
+          <a:stretch>
+            <a:fillRect/>
+          </a:stretch>
+        </p:blipFill>
+        <p:spPr bwMode="auto">
+          <a:xfrm>
+            <a:off x="-35277" y="2924944"/>
+            <a:ext cx="8316416" cy="1578853"/>
+          </a:xfrm>
+          <a:prstGeom prst="rect">
+            <a:avLst/>
+          </a:prstGeom>
+          <a:noFill/>
+          <a:ln>
+            <a:noFill/>
+          </a:ln>
+          <a:effectLst/>
+          <a:extLst>
+            <a:ext uri="{909E8E84-426E-40DD-AFC4-6F175D3DCCD1}">
+              <a14:hiddenFill xmlns:a14="http://schemas.microsoft.com/office/drawing/2010/main">
+                <a:solidFill>
+                  <a:schemeClr val="accent1"/>
+                </a:solidFill>
+              </a14:hiddenFill>
+            </a:ext>
+            <a:ext uri="{91240B29-F687-4F45-9708-019B960494DF}">
+              <a14:hiddenLine xmlns:a14="http://schemas.microsoft.com/office/drawing/2010/main" w="9525">
+                <a:solidFill>
+                  <a:schemeClr val="tx1"/>
+                </a:solidFill>
+                <a:miter lim="800000"/>
+                <a:headEnd/>
+                <a:tailEnd/>
+              </a14:hiddenLine>
+            </a:ext>
+            <a:ext uri="{AF507438-7753-43E0-B8FC-AC1667EBCBE1}">
+              <a14:hiddenEffects xmlns:a14="http://schemas.microsoft.com/office/drawing/2010/main">
+                <a:effectLst>
+                  <a:outerShdw dist="35921" dir="2700000" algn="ctr" rotWithShape="0">
+                    <a:schemeClr val="bg2"/>
+                  </a:outerShdw>
+                </a:effectLst>
+              </a14:hiddenEffects>
+            </a:ext>
+          </a:extLst>
+        </p:spPr>
+      </p:pic>
+      <p:sp>
+        <p:nvSpPr>
+          <p:cNvPr id="4" name="TextBox 3"/>
+          <p:cNvSpPr txBox="1"/>
+          <p:nvPr/>
+        </p:nvSpPr>
+        <p:spPr>
+          <a:xfrm>
+            <a:off x="323528" y="116632"/>
+            <a:ext cx="3078792" cy="369332"/>
+          </a:xfrm>
+          <a:prstGeom prst="rect">
+            <a:avLst/>
+          </a:prstGeom>
+          <a:noFill/>
+        </p:spPr>
+        <p:txBody>
+          <a:bodyPr wrap="none" rtlCol="0">
+            <a:spAutoFit/>
+          </a:bodyPr>
+          <a:lstStyle/>
+          <a:p>
+            <a:r>
+              <a:rPr lang="en-US" altLang="zh-CN" smtClean="0"/>
+              <a:t>Nacos</a:t>
+            </a:r>
+            <a:r>
+              <a:rPr lang="zh-CN" altLang="en-US" smtClean="0"/>
+              <a:t>集群修改</a:t>
+            </a:r>
+            <a:r>
+              <a:rPr lang="en-US" altLang="zh-CN" smtClean="0"/>
+              <a:t>startup.sh</a:t>
+            </a:r>
+            <a:r>
+              <a:rPr lang="zh-CN" altLang="en-US" smtClean="0"/>
+              <a:t>脚本</a:t>
+            </a:r>
+            <a:endParaRPr lang="zh-CN" altLang="en-US"/>
+          </a:p>
+        </p:txBody>
+      </p:sp>
+      <p:pic>
+        <p:nvPicPr>
+          <p:cNvPr id="1027" name="Picture 3" descr="F:\Computer\SpringCloud\SpringCloud笔记\note-images\1661330507411.png"/>
+          <p:cNvPicPr>
+            <a:picLocks noChangeAspect="1" noChangeArrowheads="1"/>
+          </p:cNvPicPr>
+          <p:nvPr/>
+        </p:nvPicPr>
+        <p:blipFill>
+          <a:blip r:embed="rId3">
+            <a:extLst>
+              <a:ext uri="{28A0092B-C50C-407E-A947-70E740481C1C}">
+                <a14:useLocalDpi xmlns:a14="http://schemas.microsoft.com/office/drawing/2010/main" val="0"/>
+              </a:ext>
+            </a:extLst>
+          </a:blip>
+          <a:srcRect/>
+          <a:stretch>
+            <a:fillRect/>
+          </a:stretch>
+        </p:blipFill>
+        <p:spPr bwMode="auto">
+          <a:xfrm>
+            <a:off x="-3229" y="476282"/>
+            <a:ext cx="7455550" cy="2243676"/>
+          </a:xfrm>
+          <a:prstGeom prst="rect">
+            <a:avLst/>
+          </a:prstGeom>
+          <a:noFill/>
+          <a:extLst>
+            <a:ext uri="{909E8E84-426E-40DD-AFC4-6F175D3DCCD1}">
+              <a14:hiddenFill xmlns:a14="http://schemas.microsoft.com/office/drawing/2010/main">
+                <a:solidFill>
+                  <a:srgbClr val="FFFFFF"/>
+                </a:solidFill>
+              </a14:hiddenFill>
+            </a:ext>
+          </a:extLst>
+        </p:spPr>
+      </p:pic>
+      <p:pic>
+        <p:nvPicPr>
+          <p:cNvPr id="1028" name="Picture 4"/>
+          <p:cNvPicPr>
+            <a:picLocks noChangeAspect="1" noChangeArrowheads="1"/>
+          </p:cNvPicPr>
+          <p:nvPr/>
+        </p:nvPicPr>
+        <p:blipFill>
+          <a:blip r:embed="rId4">
+            <a:extLst>
+              <a:ext uri="{28A0092B-C50C-407E-A947-70E740481C1C}">
+                <a14:useLocalDpi xmlns:a14="http://schemas.microsoft.com/office/drawing/2010/main" val="0"/>
+              </a:ext>
+            </a:extLst>
+          </a:blip>
+          <a:srcRect/>
+          <a:stretch>
+            <a:fillRect/>
+          </a:stretch>
+        </p:blipFill>
+        <p:spPr bwMode="auto">
+          <a:xfrm>
+            <a:off x="-31720" y="5013176"/>
+            <a:ext cx="4619625" cy="3943350"/>
+          </a:xfrm>
+          <a:prstGeom prst="rect">
+            <a:avLst/>
+          </a:prstGeom>
+          <a:noFill/>
+          <a:ln>
+            <a:noFill/>
+          </a:ln>
+          <a:effectLst/>
+          <a:extLst>
+            <a:ext uri="{909E8E84-426E-40DD-AFC4-6F175D3DCCD1}">
+              <a14:hiddenFill xmlns:a14="http://schemas.microsoft.com/office/drawing/2010/main">
+                <a:solidFill>
+                  <a:schemeClr val="accent1"/>
+                </a:solidFill>
+              </a14:hiddenFill>
+            </a:ext>
+            <a:ext uri="{91240B29-F687-4F45-9708-019B960494DF}">
+              <a14:hiddenLine xmlns:a14="http://schemas.microsoft.com/office/drawing/2010/main" w="9525">
+                <a:solidFill>
+                  <a:schemeClr val="tx1"/>
+                </a:solidFill>
+                <a:miter lim="800000"/>
+                <a:headEnd/>
+                <a:tailEnd/>
+              </a14:hiddenLine>
+            </a:ext>
+            <a:ext uri="{AF507438-7753-43E0-B8FC-AC1667EBCBE1}">
+              <a14:hiddenEffects xmlns:a14="http://schemas.microsoft.com/office/drawing/2010/main">
+                <a:effectLst>
+                  <a:outerShdw dist="35921" dir="2700000" algn="ctr" rotWithShape="0">
+                    <a:schemeClr val="bg2"/>
+                  </a:outerShdw>
+                </a:effectLst>
+              </a14:hiddenEffects>
+            </a:ext>
+          </a:extLst>
+        </p:spPr>
+      </p:pic>
+      <p:sp>
+        <p:nvSpPr>
+          <p:cNvPr id="5" name="TextBox 4"/>
+          <p:cNvSpPr txBox="1"/>
+          <p:nvPr/>
+        </p:nvSpPr>
+        <p:spPr>
+          <a:xfrm>
+            <a:off x="107504" y="4544153"/>
+            <a:ext cx="4723537" cy="369332"/>
+          </a:xfrm>
+          <a:prstGeom prst="rect">
+            <a:avLst/>
+          </a:prstGeom>
+          <a:noFill/>
+        </p:spPr>
+        <p:txBody>
+          <a:bodyPr wrap="none" rtlCol="0">
+            <a:spAutoFit/>
+          </a:bodyPr>
+          <a:lstStyle/>
+          <a:p>
+            <a:r>
+              <a:rPr lang="en-US" altLang="zh-CN" smtClean="0"/>
+              <a:t>Nacos</a:t>
+            </a:r>
+            <a:r>
+              <a:rPr lang="zh-CN" altLang="en-US" smtClean="0"/>
+              <a:t>集群</a:t>
+            </a:r>
+            <a:r>
+              <a:rPr lang="en-US" altLang="zh-CN" smtClean="0"/>
+              <a:t>nginx</a:t>
+            </a:r>
+            <a:r>
+              <a:rPr lang="zh-CN" altLang="en-US" smtClean="0"/>
+              <a:t>负载均衡配置，监听</a:t>
+            </a:r>
+            <a:r>
+              <a:rPr lang="en-US" altLang="zh-CN" smtClean="0"/>
+              <a:t>1111</a:t>
+            </a:r>
+            <a:r>
+              <a:rPr lang="zh-CN" altLang="en-US" smtClean="0"/>
+              <a:t>端口</a:t>
+            </a:r>
+            <a:endParaRPr lang="zh-CN" altLang="en-US"/>
+          </a:p>
+        </p:txBody>
+      </p:sp>
+    </p:spTree>
+    <p:extLst>
+      <p:ext uri="{BB962C8B-B14F-4D97-AF65-F5344CB8AC3E}">
+        <p14:creationId xmlns:p14="http://schemas.microsoft.com/office/powerpoint/2010/main" val="3367927595"/>
+      </p:ext>
+    </p:extLst>
+  </p:cSld>
+  <p:clrMapOvr>
+    <a:masterClrMapping/>
+  </p:clrMapOvr>
+</p:sld>
+</file>
+
 <file path=ppt/slides/slide2.xml><?xml version="1.0" encoding="utf-8"?>
 <p:sld xmlns:a="http://schemas.openxmlformats.org/drawingml/2006/main" xmlns:r="http://schemas.openxmlformats.org/officeDocument/2006/relationships" xmlns:p="http://schemas.openxmlformats.org/presentationml/2006/main">
   <p:cSld>

--- a/SpringCloud笔记/课程截图.pptx
+++ b/SpringCloud笔记/课程截图.pptx
@@ -15,6 +15,8 @@
     <p:sldId id="263" r:id="rId9"/>
     <p:sldId id="264" r:id="rId10"/>
     <p:sldId id="265" r:id="rId11"/>
+    <p:sldId id="266" r:id="rId12"/>
+    <p:sldId id="267" r:id="rId13"/>
   </p:sldIdLst>
   <p:sldSz cx="9144000" cy="6858000" type="screen4x3"/>
   <p:notesSz cx="6858000" cy="9144000"/>
@@ -297,7 +299,7 @@
           <a:p>
             <a:fld id="{530820CF-B880-4189-942D-D702A7CBA730}" type="datetimeFigureOut">
               <a:rPr lang="zh-CN" altLang="en-US" smtClean="0"/>
-              <a:t>2022/8/24</a:t>
+              <a:t>2022/8/25</a:t>
             </a:fld>
             <a:endParaRPr lang="zh-CN" altLang="en-US"/>
           </a:p>
@@ -462,7 +464,7 @@
           <a:p>
             <a:fld id="{530820CF-B880-4189-942D-D702A7CBA730}" type="datetimeFigureOut">
               <a:rPr lang="zh-CN" altLang="en-US" smtClean="0"/>
-              <a:t>2022/8/24</a:t>
+              <a:t>2022/8/25</a:t>
             </a:fld>
             <a:endParaRPr lang="zh-CN" altLang="en-US"/>
           </a:p>
@@ -637,7 +639,7 @@
           <a:p>
             <a:fld id="{530820CF-B880-4189-942D-D702A7CBA730}" type="datetimeFigureOut">
               <a:rPr lang="zh-CN" altLang="en-US" smtClean="0"/>
-              <a:t>2022/8/24</a:t>
+              <a:t>2022/8/25</a:t>
             </a:fld>
             <a:endParaRPr lang="zh-CN" altLang="en-US"/>
           </a:p>
@@ -802,7 +804,7 @@
           <a:p>
             <a:fld id="{530820CF-B880-4189-942D-D702A7CBA730}" type="datetimeFigureOut">
               <a:rPr lang="zh-CN" altLang="en-US" smtClean="0"/>
-              <a:t>2022/8/24</a:t>
+              <a:t>2022/8/25</a:t>
             </a:fld>
             <a:endParaRPr lang="zh-CN" altLang="en-US"/>
           </a:p>
@@ -1043,7 +1045,7 @@
           <a:p>
             <a:fld id="{530820CF-B880-4189-942D-D702A7CBA730}" type="datetimeFigureOut">
               <a:rPr lang="zh-CN" altLang="en-US" smtClean="0"/>
-              <a:t>2022/8/24</a:t>
+              <a:t>2022/8/25</a:t>
             </a:fld>
             <a:endParaRPr lang="zh-CN" altLang="en-US"/>
           </a:p>
@@ -1326,7 +1328,7 @@
           <a:p>
             <a:fld id="{530820CF-B880-4189-942D-D702A7CBA730}" type="datetimeFigureOut">
               <a:rPr lang="zh-CN" altLang="en-US" smtClean="0"/>
-              <a:t>2022/8/24</a:t>
+              <a:t>2022/8/25</a:t>
             </a:fld>
             <a:endParaRPr lang="zh-CN" altLang="en-US"/>
           </a:p>
@@ -1743,7 +1745,7 @@
           <a:p>
             <a:fld id="{530820CF-B880-4189-942D-D702A7CBA730}" type="datetimeFigureOut">
               <a:rPr lang="zh-CN" altLang="en-US" smtClean="0"/>
-              <a:t>2022/8/24</a:t>
+              <a:t>2022/8/25</a:t>
             </a:fld>
             <a:endParaRPr lang="zh-CN" altLang="en-US"/>
           </a:p>
@@ -1856,7 +1858,7 @@
           <a:p>
             <a:fld id="{530820CF-B880-4189-942D-D702A7CBA730}" type="datetimeFigureOut">
               <a:rPr lang="zh-CN" altLang="en-US" smtClean="0"/>
-              <a:t>2022/8/24</a:t>
+              <a:t>2022/8/25</a:t>
             </a:fld>
             <a:endParaRPr lang="zh-CN" altLang="en-US"/>
           </a:p>
@@ -1946,7 +1948,7 @@
           <a:p>
             <a:fld id="{530820CF-B880-4189-942D-D702A7CBA730}" type="datetimeFigureOut">
               <a:rPr lang="zh-CN" altLang="en-US" smtClean="0"/>
-              <a:t>2022/8/24</a:t>
+              <a:t>2022/8/25</a:t>
             </a:fld>
             <a:endParaRPr lang="zh-CN" altLang="en-US"/>
           </a:p>
@@ -2218,7 +2220,7 @@
           <a:p>
             <a:fld id="{530820CF-B880-4189-942D-D702A7CBA730}" type="datetimeFigureOut">
               <a:rPr lang="zh-CN" altLang="en-US" smtClean="0"/>
-              <a:t>2022/8/24</a:t>
+              <a:t>2022/8/25</a:t>
             </a:fld>
             <a:endParaRPr lang="zh-CN" altLang="en-US"/>
           </a:p>
@@ -2466,7 +2468,7 @@
           <a:p>
             <a:fld id="{530820CF-B880-4189-942D-D702A7CBA730}" type="datetimeFigureOut">
               <a:rPr lang="zh-CN" altLang="en-US" smtClean="0"/>
-              <a:t>2022/8/24</a:t>
+              <a:t>2022/8/25</a:t>
             </a:fld>
             <a:endParaRPr lang="zh-CN" altLang="en-US"/>
           </a:p>
@@ -2674,7 +2676,7 @@
           <a:p>
             <a:fld id="{530820CF-B880-4189-942D-D702A7CBA730}" type="datetimeFigureOut">
               <a:rPr lang="zh-CN" altLang="en-US" smtClean="0"/>
-              <a:t>2022/8/24</a:t>
+              <a:t>2022/8/25</a:t>
             </a:fld>
             <a:endParaRPr lang="zh-CN" altLang="en-US"/>
           </a:p>
@@ -3514,6 +3516,326 @@
 </p:sld>
 </file>
 
+<file path=ppt/slides/slide11.xml><?xml version="1.0" encoding="utf-8"?>
+<p:sld xmlns:a="http://schemas.openxmlformats.org/drawingml/2006/main" xmlns:r="http://schemas.openxmlformats.org/officeDocument/2006/relationships" xmlns:p="http://schemas.openxmlformats.org/presentationml/2006/main">
+  <p:cSld>
+    <p:spTree>
+      <p:nvGrpSpPr>
+        <p:cNvPr id="1" name=""/>
+        <p:cNvGrpSpPr/>
+        <p:nvPr/>
+      </p:nvGrpSpPr>
+      <p:grpSpPr>
+        <a:xfrm>
+          <a:off x="0" y="0"/>
+          <a:ext cx="0" cy="0"/>
+          <a:chOff x="0" y="0"/>
+          <a:chExt cx="0" cy="0"/>
+        </a:xfrm>
+      </p:grpSpPr>
+      <p:sp>
+        <p:nvSpPr>
+          <p:cNvPr id="4" name="TextBox 3"/>
+          <p:cNvSpPr txBox="1"/>
+          <p:nvPr/>
+        </p:nvSpPr>
+        <p:spPr>
+          <a:xfrm>
+            <a:off x="58632" y="64068"/>
+            <a:ext cx="945580" cy="369332"/>
+          </a:xfrm>
+          <a:prstGeom prst="rect">
+            <a:avLst/>
+          </a:prstGeom>
+          <a:noFill/>
+        </p:spPr>
+        <p:txBody>
+          <a:bodyPr wrap="none" rtlCol="0">
+            <a:spAutoFit/>
+          </a:bodyPr>
+          <a:lstStyle/>
+          <a:p>
+            <a:r>
+              <a:rPr lang="en-US" altLang="zh-CN" smtClean="0"/>
+              <a:t>Sentinel</a:t>
+            </a:r>
+            <a:endParaRPr lang="zh-CN" altLang="en-US"/>
+          </a:p>
+        </p:txBody>
+      </p:sp>
+      <p:pic>
+        <p:nvPicPr>
+          <p:cNvPr id="1026" name="Picture 2"/>
+          <p:cNvPicPr>
+            <a:picLocks noChangeAspect="1" noChangeArrowheads="1"/>
+          </p:cNvPicPr>
+          <p:nvPr/>
+        </p:nvPicPr>
+        <p:blipFill>
+          <a:blip r:embed="rId2">
+            <a:extLst>
+              <a:ext uri="{28A0092B-C50C-407E-A947-70E740481C1C}">
+                <a14:useLocalDpi xmlns:a14="http://schemas.microsoft.com/office/drawing/2010/main" val="0"/>
+              </a:ext>
+            </a:extLst>
+          </a:blip>
+          <a:srcRect/>
+          <a:stretch>
+            <a:fillRect/>
+          </a:stretch>
+        </p:blipFill>
+        <p:spPr bwMode="auto">
+          <a:xfrm>
+            <a:off x="-1" y="434398"/>
+            <a:ext cx="6552059" cy="3638802"/>
+          </a:xfrm>
+          <a:prstGeom prst="rect">
+            <a:avLst/>
+          </a:prstGeom>
+          <a:noFill/>
+          <a:ln>
+            <a:noFill/>
+          </a:ln>
+          <a:effectLst/>
+          <a:extLst>
+            <a:ext uri="{909E8E84-426E-40DD-AFC4-6F175D3DCCD1}">
+              <a14:hiddenFill xmlns:a14="http://schemas.microsoft.com/office/drawing/2010/main">
+                <a:solidFill>
+                  <a:schemeClr val="accent1"/>
+                </a:solidFill>
+              </a14:hiddenFill>
+            </a:ext>
+            <a:ext uri="{91240B29-F687-4F45-9708-019B960494DF}">
+              <a14:hiddenLine xmlns:a14="http://schemas.microsoft.com/office/drawing/2010/main" w="9525">
+                <a:solidFill>
+                  <a:schemeClr val="tx1"/>
+                </a:solidFill>
+                <a:miter lim="800000"/>
+                <a:headEnd/>
+                <a:tailEnd/>
+              </a14:hiddenLine>
+            </a:ext>
+            <a:ext uri="{AF507438-7753-43E0-B8FC-AC1667EBCBE1}">
+              <a14:hiddenEffects xmlns:a14="http://schemas.microsoft.com/office/drawing/2010/main">
+                <a:effectLst>
+                  <a:outerShdw dist="35921" dir="2700000" algn="ctr" rotWithShape="0">
+                    <a:schemeClr val="bg2"/>
+                  </a:outerShdw>
+                </a:effectLst>
+              </a14:hiddenEffects>
+            </a:ext>
+          </a:extLst>
+        </p:spPr>
+      </p:pic>
+      <p:pic>
+        <p:nvPicPr>
+          <p:cNvPr id="1027" name="Picture 3"/>
+          <p:cNvPicPr>
+            <a:picLocks noChangeAspect="1" noChangeArrowheads="1"/>
+          </p:cNvPicPr>
+          <p:nvPr/>
+        </p:nvPicPr>
+        <p:blipFill>
+          <a:blip r:embed="rId3">
+            <a:extLst>
+              <a:ext uri="{28A0092B-C50C-407E-A947-70E740481C1C}">
+                <a14:useLocalDpi xmlns:a14="http://schemas.microsoft.com/office/drawing/2010/main" val="0"/>
+              </a:ext>
+            </a:extLst>
+          </a:blip>
+          <a:srcRect/>
+          <a:stretch>
+            <a:fillRect/>
+          </a:stretch>
+        </p:blipFill>
+        <p:spPr bwMode="auto">
+          <a:xfrm>
+            <a:off x="58632" y="4149080"/>
+            <a:ext cx="5295900" cy="3143250"/>
+          </a:xfrm>
+          <a:prstGeom prst="rect">
+            <a:avLst/>
+          </a:prstGeom>
+          <a:noFill/>
+          <a:ln>
+            <a:noFill/>
+          </a:ln>
+          <a:effectLst/>
+          <a:extLst>
+            <a:ext uri="{909E8E84-426E-40DD-AFC4-6F175D3DCCD1}">
+              <a14:hiddenFill xmlns:a14="http://schemas.microsoft.com/office/drawing/2010/main">
+                <a:solidFill>
+                  <a:schemeClr val="accent1"/>
+                </a:solidFill>
+              </a14:hiddenFill>
+            </a:ext>
+            <a:ext uri="{91240B29-F687-4F45-9708-019B960494DF}">
+              <a14:hiddenLine xmlns:a14="http://schemas.microsoft.com/office/drawing/2010/main" w="9525">
+                <a:solidFill>
+                  <a:schemeClr val="tx1"/>
+                </a:solidFill>
+                <a:miter lim="800000"/>
+                <a:headEnd/>
+                <a:tailEnd/>
+              </a14:hiddenLine>
+            </a:ext>
+            <a:ext uri="{AF507438-7753-43E0-B8FC-AC1667EBCBE1}">
+              <a14:hiddenEffects xmlns:a14="http://schemas.microsoft.com/office/drawing/2010/main">
+                <a:effectLst>
+                  <a:outerShdw dist="35921" dir="2700000" algn="ctr" rotWithShape="0">
+                    <a:schemeClr val="bg2"/>
+                  </a:outerShdw>
+                </a:effectLst>
+              </a14:hiddenEffects>
+            </a:ext>
+          </a:extLst>
+        </p:spPr>
+      </p:pic>
+    </p:spTree>
+    <p:extLst>
+      <p:ext uri="{BB962C8B-B14F-4D97-AF65-F5344CB8AC3E}">
+        <p14:creationId xmlns:p14="http://schemas.microsoft.com/office/powerpoint/2010/main" val="3205326397"/>
+      </p:ext>
+    </p:extLst>
+  </p:cSld>
+  <p:clrMapOvr>
+    <a:masterClrMapping/>
+  </p:clrMapOvr>
+</p:sld>
+</file>
+
+<file path=ppt/slides/slide12.xml><?xml version="1.0" encoding="utf-8"?>
+<p:sld xmlns:a="http://schemas.openxmlformats.org/drawingml/2006/main" xmlns:r="http://schemas.openxmlformats.org/officeDocument/2006/relationships" xmlns:p="http://schemas.openxmlformats.org/presentationml/2006/main">
+  <p:cSld>
+    <p:spTree>
+      <p:nvGrpSpPr>
+        <p:cNvPr id="1" name=""/>
+        <p:cNvGrpSpPr/>
+        <p:nvPr/>
+      </p:nvGrpSpPr>
+      <p:grpSpPr>
+        <a:xfrm>
+          <a:off x="0" y="0"/>
+          <a:ext cx="0" cy="0"/>
+          <a:chOff x="0" y="0"/>
+          <a:chExt cx="0" cy="0"/>
+        </a:xfrm>
+      </p:grpSpPr>
+      <p:pic>
+        <p:nvPicPr>
+          <p:cNvPr id="2050" name="Picture 2"/>
+          <p:cNvPicPr>
+            <a:picLocks noChangeAspect="1" noChangeArrowheads="1"/>
+          </p:cNvPicPr>
+          <p:nvPr/>
+        </p:nvPicPr>
+        <p:blipFill>
+          <a:blip r:embed="rId2">
+            <a:extLst>
+              <a:ext uri="{28A0092B-C50C-407E-A947-70E740481C1C}">
+                <a14:useLocalDpi xmlns:a14="http://schemas.microsoft.com/office/drawing/2010/main" val="0"/>
+              </a:ext>
+            </a:extLst>
+          </a:blip>
+          <a:srcRect/>
+          <a:stretch>
+            <a:fillRect/>
+          </a:stretch>
+        </p:blipFill>
+        <p:spPr bwMode="auto">
+          <a:xfrm>
+            <a:off x="-14917" y="476672"/>
+            <a:ext cx="5508104" cy="3845019"/>
+          </a:xfrm>
+          <a:prstGeom prst="rect">
+            <a:avLst/>
+          </a:prstGeom>
+          <a:noFill/>
+          <a:ln>
+            <a:noFill/>
+          </a:ln>
+          <a:effectLst/>
+          <a:extLst>
+            <a:ext uri="{909E8E84-426E-40DD-AFC4-6F175D3DCCD1}">
+              <a14:hiddenFill xmlns:a14="http://schemas.microsoft.com/office/drawing/2010/main">
+                <a:solidFill>
+                  <a:schemeClr val="accent1"/>
+                </a:solidFill>
+              </a14:hiddenFill>
+            </a:ext>
+            <a:ext uri="{91240B29-F687-4F45-9708-019B960494DF}">
+              <a14:hiddenLine xmlns:a14="http://schemas.microsoft.com/office/drawing/2010/main" w="9525">
+                <a:solidFill>
+                  <a:schemeClr val="tx1"/>
+                </a:solidFill>
+                <a:miter lim="800000"/>
+                <a:headEnd/>
+                <a:tailEnd/>
+              </a14:hiddenLine>
+            </a:ext>
+            <a:ext uri="{AF507438-7753-43E0-B8FC-AC1667EBCBE1}">
+              <a14:hiddenEffects xmlns:a14="http://schemas.microsoft.com/office/drawing/2010/main">
+                <a:effectLst>
+                  <a:outerShdw dist="35921" dir="2700000" algn="ctr" rotWithShape="0">
+                    <a:schemeClr val="bg2"/>
+                  </a:outerShdw>
+                </a:effectLst>
+              </a14:hiddenEffects>
+            </a:ext>
+          </a:extLst>
+        </p:spPr>
+      </p:pic>
+      <p:sp>
+        <p:nvSpPr>
+          <p:cNvPr id="2" name="TextBox 1"/>
+          <p:cNvSpPr txBox="1"/>
+          <p:nvPr/>
+        </p:nvSpPr>
+        <p:spPr>
+          <a:xfrm>
+            <a:off x="282813" y="3974"/>
+            <a:ext cx="3946401" cy="369332"/>
+          </a:xfrm>
+          <a:prstGeom prst="rect">
+            <a:avLst/>
+          </a:prstGeom>
+          <a:noFill/>
+        </p:spPr>
+        <p:txBody>
+          <a:bodyPr wrap="none" rtlCol="0">
+            <a:spAutoFit/>
+          </a:bodyPr>
+          <a:lstStyle/>
+          <a:p>
+            <a:r>
+              <a:rPr lang="zh-CN" altLang="en-US" smtClean="0"/>
+              <a:t>把模块注册到</a:t>
+            </a:r>
+            <a:r>
+              <a:rPr lang="en-US" altLang="zh-CN" smtClean="0"/>
+              <a:t>Sentinel</a:t>
+            </a:r>
+            <a:r>
+              <a:rPr lang="zh-CN" altLang="en-US" smtClean="0"/>
+              <a:t>的配置文件范例</a:t>
+            </a:r>
+            <a:endParaRPr lang="zh-CN" altLang="en-US"/>
+          </a:p>
+        </p:txBody>
+      </p:sp>
+    </p:spTree>
+    <p:extLst>
+      <p:ext uri="{BB962C8B-B14F-4D97-AF65-F5344CB8AC3E}">
+        <p14:creationId xmlns:p14="http://schemas.microsoft.com/office/powerpoint/2010/main" val="1448386780"/>
+      </p:ext>
+    </p:extLst>
+  </p:cSld>
+  <p:clrMapOvr>
+    <a:masterClrMapping/>
+  </p:clrMapOvr>
+</p:sld>
+</file>
+
 <file path=ppt/slides/slide2.xml><?xml version="1.0" encoding="utf-8"?>
 <p:sld xmlns:a="http://schemas.openxmlformats.org/drawingml/2006/main" xmlns:r="http://schemas.openxmlformats.org/officeDocument/2006/relationships" xmlns:p="http://schemas.openxmlformats.org/presentationml/2006/main">
   <p:cSld>
